--- a/visualisation/workflow.pptx
+++ b/visualisation/workflow.pptx
@@ -5,26 +5,25 @@
     <p:sldMasterId id="2147483648" r:id="rId1"/>
   </p:sldMasterIdLst>
   <p:notesMasterIdLst>
-    <p:notesMasterId r:id="rId4"/>
+    <p:notesMasterId r:id="rId3"/>
   </p:notesMasterIdLst>
   <p:sldIdLst>
-    <p:sldId id="256" r:id="rId2"/>
-    <p:sldId id="257" r:id="rId3"/>
+    <p:sldId id="257" r:id="rId2"/>
   </p:sldIdLst>
   <p:sldSz cx="12192000" cy="6858000"/>
   <p:notesSz cx="6858000" cy="9144000"/>
   <p:embeddedFontLst>
     <p:embeddedFont>
       <p:font typeface="Josefin Sans" pitchFamily="2" charset="0"/>
-      <p:regular r:id="rId5"/>
-      <p:bold r:id="rId6"/>
-      <p:italic r:id="rId7"/>
-      <p:boldItalic r:id="rId8"/>
+      <p:regular r:id="rId4"/>
+      <p:bold r:id="rId5"/>
+      <p:italic r:id="rId6"/>
+      <p:boldItalic r:id="rId7"/>
     </p:embeddedFont>
     <p:embeddedFont>
       <p:font typeface="Roboto Slab" pitchFamily="2" charset="0"/>
-      <p:regular r:id="rId9"/>
-      <p:bold r:id="rId10"/>
+      <p:regular r:id="rId8"/>
+      <p:bold r:id="rId9"/>
     </p:embeddedFont>
   </p:embeddedFontLst>
   <p:defaultTextStyle>
@@ -257,8 +256,11 @@
     </a:lvl9pPr>
   </p:defaultTextStyle>
   <p:extLst>
+    <p:ext uri="{EFAFB233-063F-42B5-8137-9DF3F51BA10A}">
+      <p15:sldGuideLst xmlns:p15="http://schemas.microsoft.com/office/powerpoint/2012/main"/>
+    </p:ext>
     <p:ext uri="GoogleSlidesCustomDataVersion2">
-      <go:slidesCustomData xmlns:go="http://customooxmlschemas.google.com/" xmlns:ahyp="http://schemas.microsoft.com/office/drawing/2018/hyperlinkcolor" xmlns:p15="http://schemas.microsoft.com/office/powerpoint/2012/main" xmlns:p14="http://schemas.microsoft.com/office/powerpoint/2010/main" xmlns:com="http://schemas.openxmlformats.org/drawingml/2006/compatibility" xmlns:pvml="urn:schemas-microsoft-com:office:powerpoint" xmlns:v="urn:schemas-microsoft-com:vml" xmlns:o="urn:schemas-microsoft-com:office:office" xmlns:dgm="http://schemas.openxmlformats.org/drawingml/2006/diagram" xmlns:c="http://schemas.openxmlformats.org/drawingml/2006/chart" xmlns:mv="urn:schemas-microsoft-com:mac:vml" xmlns:mc="http://schemas.openxmlformats.org/markup-compatibility/2006" xmlns="" r:id="rId15" roundtripDataSignature="AMtx7mgxTmg6pIDd0rj1ihcigYCuPk1pgg=="/>
+      <go:slidesCustomData xmlns="" xmlns:mc="http://schemas.openxmlformats.org/markup-compatibility/2006" xmlns:mv="urn:schemas-microsoft-com:mac:vml" xmlns:c="http://schemas.openxmlformats.org/drawingml/2006/chart" xmlns:dgm="http://schemas.openxmlformats.org/drawingml/2006/diagram" xmlns:o="urn:schemas-microsoft-com:office:office" xmlns:v="urn:schemas-microsoft-com:vml" xmlns:pvml="urn:schemas-microsoft-com:office:powerpoint" xmlns:com="http://schemas.openxmlformats.org/drawingml/2006/compatibility" xmlns:p14="http://schemas.microsoft.com/office/powerpoint/2010/main" xmlns:p15="http://schemas.microsoft.com/office/powerpoint/2012/main" xmlns:ahyp="http://schemas.microsoft.com/office/drawing/2018/hyperlinkcolor" xmlns:go="http://customooxmlschemas.google.com/" r:id="rId15" roundtripDataSignature="AMtx7mgxTmg6pIDd0rj1ihcigYCuPk1pgg=="/>
     </p:ext>
   </p:extLst>
 </p:presentation>
@@ -706,110 +708,6 @@
 </file>
 
 <file path=ppt/notesSlides/notesSlide1.xml><?xml version="1.0" encoding="utf-8"?>
-<p:notes xmlns:a="http://schemas.openxmlformats.org/drawingml/2006/main" xmlns:r="http://schemas.openxmlformats.org/officeDocument/2006/relationships" xmlns:p="http://schemas.openxmlformats.org/presentationml/2006/main" showMasterSp="0" showMasterPhAnim="0">
-  <p:cSld>
-    <p:spTree>
-      <p:nvGrpSpPr>
-        <p:cNvPr id="1" name="Shape 80"/>
-        <p:cNvGrpSpPr/>
-        <p:nvPr/>
-      </p:nvGrpSpPr>
-      <p:grpSpPr>
-        <a:xfrm>
-          <a:off x="0" y="0"/>
-          <a:ext cx="0" cy="0"/>
-          <a:chOff x="0" y="0"/>
-          <a:chExt cx="0" cy="0"/>
-        </a:xfrm>
-      </p:grpSpPr>
-      <p:sp>
-        <p:nvSpPr>
-          <p:cNvPr id="81" name="Google Shape;81;p1:notes"/>
-          <p:cNvSpPr txBox="1">
-            <a:spLocks noGrp="1"/>
-          </p:cNvSpPr>
-          <p:nvPr>
-            <p:ph type="body" idx="1"/>
-          </p:nvPr>
-        </p:nvSpPr>
-        <p:spPr>
-          <a:xfrm>
-            <a:off x="685800" y="4343400"/>
-            <a:ext cx="5486400" cy="4114800"/>
-          </a:xfrm>
-          <a:prstGeom prst="rect">
-            <a:avLst/>
-          </a:prstGeom>
-        </p:spPr>
-        <p:txBody>
-          <a:bodyPr spcFirstLastPara="1" wrap="square" lIns="91425" tIns="91425" rIns="91425" bIns="91425" anchor="t" anchorCtr="0">
-            <a:noAutofit/>
-          </a:bodyPr>
-          <a:lstStyle/>
-          <a:p>
-            <a:pPr marL="0" lvl="0" indent="0" algn="l" rtl="0">
-              <a:spcBef>
-                <a:spcPts val="0"/>
-              </a:spcBef>
-              <a:spcAft>
-                <a:spcPts val="0"/>
-              </a:spcAft>
-              <a:buNone/>
-            </a:pPr>
-            <a:endParaRPr/>
-          </a:p>
-        </p:txBody>
-      </p:sp>
-      <p:sp>
-        <p:nvSpPr>
-          <p:cNvPr id="82" name="Google Shape;82;p1:notes"/>
-          <p:cNvSpPr>
-            <a:spLocks noGrp="1" noRot="1" noChangeAspect="1"/>
-          </p:cNvSpPr>
-          <p:nvPr>
-            <p:ph type="sldImg" idx="2"/>
-          </p:nvPr>
-        </p:nvSpPr>
-        <p:spPr>
-          <a:xfrm>
-            <a:off x="1143225" y="685800"/>
-            <a:ext cx="4572225" cy="3429000"/>
-          </a:xfrm>
-          <a:custGeom>
-            <a:avLst/>
-            <a:gdLst/>
-            <a:ahLst/>
-            <a:cxnLst/>
-            <a:rect l="l" t="t" r="r" b="b"/>
-            <a:pathLst>
-              <a:path w="120000" h="120000" extrusionOk="0">
-                <a:moveTo>
-                  <a:pt x="0" y="0"/>
-                </a:moveTo>
-                <a:lnTo>
-                  <a:pt x="120000" y="0"/>
-                </a:lnTo>
-                <a:lnTo>
-                  <a:pt x="120000" y="120000"/>
-                </a:lnTo>
-                <a:lnTo>
-                  <a:pt x="0" y="120000"/>
-                </a:lnTo>
-                <a:close/>
-              </a:path>
-            </a:pathLst>
-          </a:custGeom>
-        </p:spPr>
-      </p:sp>
-    </p:spTree>
-  </p:cSld>
-  <p:clrMapOvr>
-    <a:masterClrMapping/>
-  </p:clrMapOvr>
-</p:notes>
-</file>
-
-<file path=ppt/notesSlides/notesSlide2.xml><?xml version="1.0" encoding="utf-8"?>
 <p:notes xmlns:a="http://schemas.openxmlformats.org/drawingml/2006/main" xmlns:r="http://schemas.openxmlformats.org/officeDocument/2006/relationships" xmlns:p="http://schemas.openxmlformats.org/presentationml/2006/main" showMasterSp="0" showMasterPhAnim="0">
   <p:cSld>
     <p:spTree>
@@ -11143,2408 +11041,6 @@
   <p:cSld>
     <p:spTree>
       <p:nvGrpSpPr>
-        <p:cNvPr id="1" name="Shape 83"/>
-        <p:cNvGrpSpPr/>
-        <p:nvPr/>
-      </p:nvGrpSpPr>
-      <p:grpSpPr>
-        <a:xfrm>
-          <a:off x="0" y="0"/>
-          <a:ext cx="0" cy="0"/>
-          <a:chOff x="0" y="0"/>
-          <a:chExt cx="0" cy="0"/>
-        </a:xfrm>
-      </p:grpSpPr>
-      <p:cxnSp>
-        <p:nvCxnSpPr>
-          <p:cNvPr id="84" name="Google Shape;84;p1"/>
-          <p:cNvCxnSpPr>
-            <a:stCxn id="85" idx="3"/>
-            <a:endCxn id="86" idx="0"/>
-          </p:cNvCxnSpPr>
-          <p:nvPr/>
-        </p:nvCxnSpPr>
-        <p:spPr>
-          <a:xfrm>
-            <a:off x="7710725" y="2187126"/>
-            <a:ext cx="570900" cy="768300"/>
-          </a:xfrm>
-          <a:prstGeom prst="bentConnector2">
-            <a:avLst/>
-          </a:prstGeom>
-          <a:noFill/>
-          <a:ln w="9525" cap="flat" cmpd="sng">
-            <a:solidFill>
-              <a:schemeClr val="accent1"/>
-            </a:solidFill>
-            <a:prstDash val="solid"/>
-            <a:miter lim="800000"/>
-            <a:headEnd type="none" w="sm" len="sm"/>
-            <a:tailEnd type="triangle" w="med" len="med"/>
-          </a:ln>
-        </p:spPr>
-      </p:cxnSp>
-      <p:cxnSp>
-        <p:nvCxnSpPr>
-          <p:cNvPr id="87" name="Google Shape;87;p1"/>
-          <p:cNvCxnSpPr/>
-          <p:nvPr/>
-        </p:nvCxnSpPr>
-        <p:spPr>
-          <a:xfrm>
-            <a:off x="6999051" y="2149309"/>
-            <a:ext cx="0" cy="2615445"/>
-          </a:xfrm>
-          <a:prstGeom prst="straightConnector1">
-            <a:avLst/>
-          </a:prstGeom>
-          <a:noFill/>
-          <a:ln w="9525" cap="flat" cmpd="sng">
-            <a:solidFill>
-              <a:schemeClr val="accent1"/>
-            </a:solidFill>
-            <a:prstDash val="solid"/>
-            <a:miter lim="800000"/>
-            <a:headEnd type="none" w="sm" len="sm"/>
-            <a:tailEnd type="triangle" w="med" len="med"/>
-          </a:ln>
-        </p:spPr>
-      </p:cxnSp>
-      <p:sp>
-        <p:nvSpPr>
-          <p:cNvPr id="88" name="Google Shape;88;p1"/>
-          <p:cNvSpPr/>
-          <p:nvPr/>
-        </p:nvSpPr>
-        <p:spPr>
-          <a:xfrm>
-            <a:off x="325610" y="1078486"/>
-            <a:ext cx="1520458" cy="473151"/>
-          </a:xfrm>
-          <a:prstGeom prst="rect">
-            <a:avLst/>
-          </a:prstGeom>
-          <a:solidFill>
-            <a:srgbClr val="EDEDED"/>
-          </a:solidFill>
-          <a:ln w="12700" cap="flat" cmpd="sng">
-            <a:solidFill>
-              <a:srgbClr val="31538F"/>
-            </a:solidFill>
-            <a:prstDash val="solid"/>
-            <a:miter lim="800000"/>
-            <a:headEnd type="none" w="sm" len="sm"/>
-            <a:tailEnd type="none" w="sm" len="sm"/>
-          </a:ln>
-        </p:spPr>
-        <p:txBody>
-          <a:bodyPr spcFirstLastPara="1" wrap="square" lIns="91425" tIns="45700" rIns="91425" bIns="45700" anchor="ctr" anchorCtr="0">
-            <a:noAutofit/>
-          </a:bodyPr>
-          <a:lstStyle/>
-          <a:p>
-            <a:pPr marL="0" marR="0" lvl="0" indent="0" algn="ctr" rtl="0">
-              <a:spcBef>
-                <a:spcPts val="0"/>
-              </a:spcBef>
-              <a:spcAft>
-                <a:spcPts val="0"/>
-              </a:spcAft>
-              <a:buNone/>
-            </a:pPr>
-            <a:r>
-              <a:rPr lang="en-GB" sz="1200" b="1" i="0" u="none" strike="noStrike" cap="none">
-                <a:solidFill>
-                  <a:schemeClr val="dk1"/>
-                </a:solidFill>
-                <a:latin typeface="Calibri"/>
-                <a:ea typeface="Calibri"/>
-                <a:cs typeface="Calibri"/>
-                <a:sym typeface="Calibri"/>
-              </a:rPr>
-              <a:t>Land use/land cover </a:t>
-            </a:r>
-            <a:endParaRPr/>
-          </a:p>
-          <a:p>
-            <a:pPr marL="0" marR="0" lvl="0" indent="0" algn="ctr" rtl="0">
-              <a:spcBef>
-                <a:spcPts val="0"/>
-              </a:spcBef>
-              <a:spcAft>
-                <a:spcPts val="0"/>
-              </a:spcAft>
-              <a:buNone/>
-            </a:pPr>
-            <a:r>
-              <a:rPr lang="en-GB" sz="1200" b="1" i="0" u="none" strike="noStrike" cap="none">
-                <a:solidFill>
-                  <a:schemeClr val="dk1"/>
-                </a:solidFill>
-                <a:latin typeface="Calibri"/>
-                <a:ea typeface="Calibri"/>
-                <a:cs typeface="Calibri"/>
-                <a:sym typeface="Calibri"/>
-              </a:rPr>
-              <a:t>(LULC), </a:t>
-            </a:r>
-            <a:r>
-              <a:rPr lang="en-GB" sz="1200" b="1" i="1" u="none" strike="noStrike" cap="none">
-                <a:solidFill>
-                  <a:schemeClr val="dk1"/>
-                </a:solidFill>
-                <a:latin typeface="Calibri"/>
-                <a:ea typeface="Calibri"/>
-                <a:cs typeface="Calibri"/>
-                <a:sym typeface="Calibri"/>
-              </a:rPr>
-              <a:t>geotiff</a:t>
-            </a:r>
-            <a:endParaRPr sz="1200" b="1" i="1" u="none" strike="noStrike" cap="none">
-              <a:solidFill>
-                <a:schemeClr val="dk1"/>
-              </a:solidFill>
-              <a:latin typeface="Calibri"/>
-              <a:ea typeface="Calibri"/>
-              <a:cs typeface="Calibri"/>
-              <a:sym typeface="Calibri"/>
-            </a:endParaRPr>
-          </a:p>
-        </p:txBody>
-      </p:sp>
-      <p:sp>
-        <p:nvSpPr>
-          <p:cNvPr id="89" name="Google Shape;89;p1"/>
-          <p:cNvSpPr txBox="1"/>
-          <p:nvPr/>
-        </p:nvSpPr>
-        <p:spPr>
-          <a:xfrm>
-            <a:off x="1885207" y="55353"/>
-            <a:ext cx="6412349" cy="830997"/>
-          </a:xfrm>
-          <a:prstGeom prst="rect">
-            <a:avLst/>
-          </a:prstGeom>
-          <a:noFill/>
-          <a:ln>
-            <a:noFill/>
-          </a:ln>
-        </p:spPr>
-        <p:txBody>
-          <a:bodyPr spcFirstLastPara="1" wrap="square" lIns="91425" tIns="45700" rIns="91425" bIns="45700" anchor="t" anchorCtr="0">
-            <a:spAutoFit/>
-          </a:bodyPr>
-          <a:lstStyle/>
-          <a:p>
-            <a:pPr marL="0" marR="0" lvl="0" indent="0" algn="ctr" rtl="0">
-              <a:spcBef>
-                <a:spcPts val="0"/>
-              </a:spcBef>
-              <a:spcAft>
-                <a:spcPts val="0"/>
-              </a:spcAft>
-              <a:buNone/>
-            </a:pPr>
-            <a:r>
-              <a:rPr lang="en-GB" sz="2400" b="1" i="0" u="none" strike="noStrike" cap="none">
-                <a:solidFill>
-                  <a:schemeClr val="dk1"/>
-                </a:solidFill>
-                <a:latin typeface="Calibri"/>
-                <a:ea typeface="Calibri"/>
-                <a:cs typeface="Calibri"/>
-                <a:sym typeface="Calibri"/>
-              </a:rPr>
-              <a:t>1. </a:t>
-            </a:r>
-            <a:r>
-              <a:rPr lang="en-GB" sz="2400" b="1" i="1" u="none" strike="noStrike" cap="none">
-                <a:solidFill>
-                  <a:schemeClr val="dk1"/>
-                </a:solidFill>
-                <a:latin typeface="Calibri"/>
-                <a:ea typeface="Calibri"/>
-                <a:cs typeface="Calibri"/>
-                <a:sym typeface="Calibri"/>
-              </a:rPr>
-              <a:t>GENERIC CASE STUDY – TERRESTRIAL AREA (detailed model)</a:t>
-            </a:r>
-            <a:endParaRPr/>
-          </a:p>
-        </p:txBody>
-      </p:sp>
-      <p:sp>
-        <p:nvSpPr>
-          <p:cNvPr id="90" name="Google Shape;90;p1"/>
-          <p:cNvSpPr/>
-          <p:nvPr/>
-        </p:nvSpPr>
-        <p:spPr>
-          <a:xfrm>
-            <a:off x="337677" y="373200"/>
-            <a:ext cx="1508392" cy="390718"/>
-          </a:xfrm>
-          <a:prstGeom prst="rect">
-            <a:avLst/>
-          </a:prstGeom>
-          <a:solidFill>
-            <a:srgbClr val="E1EFD8"/>
-          </a:solidFill>
-          <a:ln w="12700" cap="flat" cmpd="sng">
-            <a:solidFill>
-              <a:srgbClr val="31538F"/>
-            </a:solidFill>
-            <a:prstDash val="solid"/>
-            <a:miter lim="800000"/>
-            <a:headEnd type="none" w="sm" len="sm"/>
-            <a:tailEnd type="none" w="sm" len="sm"/>
-          </a:ln>
-        </p:spPr>
-        <p:txBody>
-          <a:bodyPr spcFirstLastPara="1" wrap="square" lIns="91425" tIns="45700" rIns="91425" bIns="45700" anchor="ctr" anchorCtr="0">
-            <a:noAutofit/>
-          </a:bodyPr>
-          <a:lstStyle/>
-          <a:p>
-            <a:pPr marL="0" marR="0" lvl="0" indent="0" algn="ctr" rtl="0">
-              <a:spcBef>
-                <a:spcPts val="0"/>
-              </a:spcBef>
-              <a:spcAft>
-                <a:spcPts val="0"/>
-              </a:spcAft>
-              <a:buNone/>
-            </a:pPr>
-            <a:r>
-              <a:rPr lang="en-GB" sz="1200" b="1" i="0" u="none" strike="noStrike" cap="none">
-                <a:solidFill>
-                  <a:schemeClr val="dk1"/>
-                </a:solidFill>
-                <a:latin typeface="Calibri"/>
-                <a:ea typeface="Calibri"/>
-                <a:cs typeface="Calibri"/>
-                <a:sym typeface="Calibri"/>
-              </a:rPr>
-              <a:t>Land use/land cover definition, </a:t>
-            </a:r>
-            <a:r>
-              <a:rPr lang="en-GB" sz="1200" b="1" i="1" u="none" strike="noStrike" cap="none">
-                <a:solidFill>
-                  <a:schemeClr val="dk1"/>
-                </a:solidFill>
-                <a:latin typeface="Calibri"/>
-                <a:ea typeface="Calibri"/>
-                <a:cs typeface="Calibri"/>
-                <a:sym typeface="Calibri"/>
-              </a:rPr>
-              <a:t>csv</a:t>
-            </a:r>
-            <a:endParaRPr/>
-          </a:p>
-        </p:txBody>
-      </p:sp>
-      <p:cxnSp>
-        <p:nvCxnSpPr>
-          <p:cNvPr id="91" name="Google Shape;91;p1"/>
-          <p:cNvCxnSpPr/>
-          <p:nvPr/>
-        </p:nvCxnSpPr>
-        <p:spPr>
-          <a:xfrm>
-            <a:off x="422351" y="1972779"/>
-            <a:ext cx="0" cy="2791975"/>
-          </a:xfrm>
-          <a:prstGeom prst="straightConnector1">
-            <a:avLst/>
-          </a:prstGeom>
-          <a:noFill/>
-          <a:ln w="9525" cap="flat" cmpd="sng">
-            <a:solidFill>
-              <a:schemeClr val="accent1"/>
-            </a:solidFill>
-            <a:prstDash val="solid"/>
-            <a:miter lim="800000"/>
-            <a:headEnd type="none" w="sm" len="sm"/>
-            <a:tailEnd type="triangle" w="med" len="med"/>
-          </a:ln>
-        </p:spPr>
-      </p:cxnSp>
-      <p:sp>
-        <p:nvSpPr>
-          <p:cNvPr id="92" name="Google Shape;92;p1"/>
-          <p:cNvSpPr/>
-          <p:nvPr/>
-        </p:nvSpPr>
-        <p:spPr>
-          <a:xfrm>
-            <a:off x="325610" y="4764754"/>
-            <a:ext cx="7464914" cy="461665"/>
-          </a:xfrm>
-          <a:prstGeom prst="rect">
-            <a:avLst/>
-          </a:prstGeom>
-          <a:solidFill>
-            <a:srgbClr val="EDEDED"/>
-          </a:solidFill>
-          <a:ln w="12700" cap="flat" cmpd="sng">
-            <a:solidFill>
-              <a:srgbClr val="31538F"/>
-            </a:solidFill>
-            <a:prstDash val="solid"/>
-            <a:miter lim="800000"/>
-            <a:headEnd type="none" w="sm" len="sm"/>
-            <a:tailEnd type="none" w="sm" len="sm"/>
-          </a:ln>
-        </p:spPr>
-        <p:txBody>
-          <a:bodyPr spcFirstLastPara="1" wrap="square" lIns="91425" tIns="45700" rIns="91425" bIns="45700" anchor="ctr" anchorCtr="0">
-            <a:noAutofit/>
-          </a:bodyPr>
-          <a:lstStyle/>
-          <a:p>
-            <a:pPr marL="0" marR="0" lvl="0" indent="0" algn="ctr" rtl="0">
-              <a:spcBef>
-                <a:spcPts val="0"/>
-              </a:spcBef>
-              <a:spcAft>
-                <a:spcPts val="0"/>
-              </a:spcAft>
-              <a:buNone/>
-            </a:pPr>
-            <a:r>
-              <a:rPr lang="en-GB" sz="1200" b="0" i="0" u="none" strike="noStrike" cap="none">
-                <a:solidFill>
-                  <a:schemeClr val="dk1"/>
-                </a:solidFill>
-                <a:latin typeface="Calibri"/>
-                <a:ea typeface="Calibri"/>
-                <a:cs typeface="Calibri"/>
-                <a:sym typeface="Calibri"/>
-              </a:rPr>
-              <a:t>Raster calculator </a:t>
-            </a:r>
-            <a:endParaRPr/>
-          </a:p>
-          <a:p>
-            <a:pPr marL="0" marR="0" lvl="0" indent="0" algn="ctr" rtl="0">
-              <a:spcBef>
-                <a:spcPts val="0"/>
-              </a:spcBef>
-              <a:spcAft>
-                <a:spcPts val="0"/>
-              </a:spcAft>
-              <a:buNone/>
-            </a:pPr>
-            <a:r>
-              <a:rPr lang="en-GB" sz="1200" b="0" i="0" u="none" strike="noStrike" cap="none">
-                <a:solidFill>
-                  <a:schemeClr val="dk1"/>
-                </a:solidFill>
-                <a:latin typeface="Calibri"/>
-                <a:ea typeface="Calibri"/>
-                <a:cs typeface="Calibri"/>
-                <a:sym typeface="Calibri"/>
-              </a:rPr>
-              <a:t>(merging temporary raster data – sum/max operators)</a:t>
-            </a:r>
-            <a:endParaRPr sz="1200" b="0" i="1" u="none" strike="noStrike" cap="none">
-              <a:solidFill>
-                <a:schemeClr val="dk1"/>
-              </a:solidFill>
-              <a:latin typeface="Calibri"/>
-              <a:ea typeface="Calibri"/>
-              <a:cs typeface="Calibri"/>
-              <a:sym typeface="Calibri"/>
-            </a:endParaRPr>
-          </a:p>
-        </p:txBody>
-      </p:sp>
-      <p:sp>
-        <p:nvSpPr>
-          <p:cNvPr id="85" name="Google Shape;85;p1"/>
-          <p:cNvSpPr/>
-          <p:nvPr/>
-        </p:nvSpPr>
-        <p:spPr>
-          <a:xfrm>
-            <a:off x="6175966" y="2014493"/>
-            <a:ext cx="1534759" cy="345266"/>
-          </a:xfrm>
-          <a:prstGeom prst="rect">
-            <a:avLst/>
-          </a:prstGeom>
-          <a:solidFill>
-            <a:srgbClr val="FFF2CC"/>
-          </a:solidFill>
-          <a:ln w="12700" cap="flat" cmpd="sng">
-            <a:solidFill>
-              <a:schemeClr val="dk1"/>
-            </a:solidFill>
-            <a:prstDash val="solid"/>
-            <a:miter lim="800000"/>
-            <a:headEnd type="none" w="sm" len="sm"/>
-            <a:tailEnd type="none" w="sm" len="sm"/>
-          </a:ln>
-        </p:spPr>
-        <p:txBody>
-          <a:bodyPr spcFirstLastPara="1" wrap="square" lIns="91425" tIns="45700" rIns="91425" bIns="45700" anchor="ctr" anchorCtr="0">
-            <a:noAutofit/>
-          </a:bodyPr>
-          <a:lstStyle/>
-          <a:p>
-            <a:pPr marL="0" marR="0" lvl="0" indent="0" algn="ctr" rtl="0">
-              <a:spcBef>
-                <a:spcPts val="0"/>
-              </a:spcBef>
-              <a:spcAft>
-                <a:spcPts val="0"/>
-              </a:spcAft>
-              <a:buNone/>
-            </a:pPr>
-            <a:r>
-              <a:rPr lang="en-GB" sz="1200" b="0" i="0" u="none" strike="noStrike" cap="none">
-                <a:solidFill>
-                  <a:schemeClr val="dk1"/>
-                </a:solidFill>
-                <a:latin typeface="Calibri"/>
-                <a:ea typeface="Calibri"/>
-                <a:cs typeface="Calibri"/>
-                <a:sym typeface="Calibri"/>
-              </a:rPr>
-              <a:t>Checks of topology and CRS</a:t>
-            </a:r>
-            <a:endParaRPr/>
-          </a:p>
-        </p:txBody>
-      </p:sp>
-      <p:cxnSp>
-        <p:nvCxnSpPr>
-          <p:cNvPr id="93" name="Google Shape;93;p1"/>
-          <p:cNvCxnSpPr>
-            <a:stCxn id="88" idx="2"/>
-            <a:endCxn id="94" idx="0"/>
-          </p:cNvCxnSpPr>
-          <p:nvPr/>
-        </p:nvCxnSpPr>
-        <p:spPr>
-          <a:xfrm>
-            <a:off x="1085839" y="1551637"/>
-            <a:ext cx="9900" cy="138000"/>
-          </a:xfrm>
-          <a:prstGeom prst="straightConnector1">
-            <a:avLst/>
-          </a:prstGeom>
-          <a:noFill/>
-          <a:ln w="9525" cap="flat" cmpd="sng">
-            <a:solidFill>
-              <a:schemeClr val="accent1"/>
-            </a:solidFill>
-            <a:prstDash val="solid"/>
-            <a:miter lim="800000"/>
-            <a:headEnd type="none" w="sm" len="sm"/>
-            <a:tailEnd type="triangle" w="med" len="med"/>
-          </a:ln>
-        </p:spPr>
-      </p:cxnSp>
-      <p:cxnSp>
-        <p:nvCxnSpPr>
-          <p:cNvPr id="95" name="Google Shape;95;p1"/>
-          <p:cNvCxnSpPr>
-            <a:endCxn id="96" idx="1"/>
-          </p:cNvCxnSpPr>
-          <p:nvPr/>
-        </p:nvCxnSpPr>
-        <p:spPr>
-          <a:xfrm>
-            <a:off x="2039008" y="6022802"/>
-            <a:ext cx="5429400" cy="13800"/>
-          </a:xfrm>
-          <a:prstGeom prst="straightConnector1">
-            <a:avLst/>
-          </a:prstGeom>
-          <a:noFill/>
-          <a:ln w="9525" cap="flat" cmpd="sng">
-            <a:solidFill>
-              <a:schemeClr val="accent1"/>
-            </a:solidFill>
-            <a:prstDash val="solid"/>
-            <a:miter lim="800000"/>
-            <a:headEnd type="none" w="sm" len="sm"/>
-            <a:tailEnd type="triangle" w="med" len="med"/>
-          </a:ln>
-        </p:spPr>
-      </p:cxnSp>
-      <p:sp>
-        <p:nvSpPr>
-          <p:cNvPr id="96" name="Google Shape;96;p1"/>
-          <p:cNvSpPr/>
-          <p:nvPr/>
-        </p:nvSpPr>
-        <p:spPr>
-          <a:xfrm>
-            <a:off x="7468408" y="5706067"/>
-            <a:ext cx="1442426" cy="661070"/>
-          </a:xfrm>
-          <a:prstGeom prst="rect">
-            <a:avLst/>
-          </a:prstGeom>
-          <a:solidFill>
-            <a:srgbClr val="C4E0B2"/>
-          </a:solidFill>
-          <a:ln w="12700" cap="flat" cmpd="sng">
-            <a:solidFill>
-              <a:srgbClr val="31538F"/>
-            </a:solidFill>
-            <a:prstDash val="solid"/>
-            <a:miter lim="800000"/>
-            <a:headEnd type="none" w="sm" len="sm"/>
-            <a:tailEnd type="none" w="sm" len="sm"/>
-          </a:ln>
-        </p:spPr>
-        <p:txBody>
-          <a:bodyPr spcFirstLastPara="1" wrap="square" lIns="91425" tIns="45700" rIns="91425" bIns="45700" anchor="ctr" anchorCtr="0">
-            <a:noAutofit/>
-          </a:bodyPr>
-          <a:lstStyle/>
-          <a:p>
-            <a:pPr marL="0" marR="0" lvl="0" indent="0" algn="ctr" rtl="0">
-              <a:spcBef>
-                <a:spcPts val="0"/>
-              </a:spcBef>
-              <a:spcAft>
-                <a:spcPts val="0"/>
-              </a:spcAft>
-              <a:buNone/>
-            </a:pPr>
-            <a:r>
-              <a:rPr lang="en-GB" sz="1800" b="1" i="0" u="none" strike="noStrike" cap="none">
-                <a:solidFill>
-                  <a:schemeClr val="dk1"/>
-                </a:solidFill>
-                <a:latin typeface="Calibri"/>
-                <a:ea typeface="Calibri"/>
-                <a:cs typeface="Calibri"/>
-                <a:sym typeface="Calibri"/>
-              </a:rPr>
-              <a:t>Processing in GRAPHAB</a:t>
-            </a:r>
-            <a:endParaRPr sz="1800" b="1" i="1" u="none" strike="noStrike" cap="none">
-              <a:solidFill>
-                <a:schemeClr val="dk1"/>
-              </a:solidFill>
-              <a:latin typeface="Calibri"/>
-              <a:ea typeface="Calibri"/>
-              <a:cs typeface="Calibri"/>
-              <a:sym typeface="Calibri"/>
-            </a:endParaRPr>
-          </a:p>
-        </p:txBody>
-      </p:sp>
-      <p:cxnSp>
-        <p:nvCxnSpPr>
-          <p:cNvPr id="97" name="Google Shape;97;p1"/>
-          <p:cNvCxnSpPr>
-            <a:stCxn id="88" idx="0"/>
-          </p:cNvCxnSpPr>
-          <p:nvPr/>
-        </p:nvCxnSpPr>
-        <p:spPr>
-          <a:xfrm rot="-5400000" flipH="1">
-            <a:off x="2636239" y="-471914"/>
-            <a:ext cx="4627500" cy="7728300"/>
-          </a:xfrm>
-          <a:prstGeom prst="bentConnector4">
-            <a:avLst>
-              <a:gd name="adj1" fmla="val -4940"/>
-              <a:gd name="adj2" fmla="val 100106"/>
-            </a:avLst>
-          </a:prstGeom>
-          <a:noFill/>
-          <a:ln w="9525" cap="flat" cmpd="sng">
-            <a:solidFill>
-              <a:schemeClr val="accent1"/>
-            </a:solidFill>
-            <a:prstDash val="solid"/>
-            <a:miter lim="800000"/>
-            <a:headEnd type="none" w="sm" len="sm"/>
-            <a:tailEnd type="triangle" w="med" len="med"/>
-          </a:ln>
-        </p:spPr>
-      </p:cxnSp>
-      <p:cxnSp>
-        <p:nvCxnSpPr>
-          <p:cNvPr id="98" name="Google Shape;98;p1"/>
-          <p:cNvCxnSpPr/>
-          <p:nvPr/>
-        </p:nvCxnSpPr>
-        <p:spPr>
-          <a:xfrm>
-            <a:off x="989047" y="763918"/>
-            <a:ext cx="0" cy="314567"/>
-          </a:xfrm>
-          <a:prstGeom prst="straightConnector1">
-            <a:avLst/>
-          </a:prstGeom>
-          <a:noFill/>
-          <a:ln w="9525" cap="flat" cmpd="sng">
-            <a:solidFill>
-              <a:schemeClr val="accent1"/>
-            </a:solidFill>
-            <a:prstDash val="solid"/>
-            <a:miter lim="800000"/>
-            <a:headEnd type="none" w="sm" len="sm"/>
-            <a:tailEnd type="triangle" w="med" len="med"/>
-          </a:ln>
-        </p:spPr>
-      </p:cxnSp>
-      <p:cxnSp>
-        <p:nvCxnSpPr>
-          <p:cNvPr id="99" name="Google Shape;99;p1"/>
-          <p:cNvCxnSpPr>
-            <a:stCxn id="100" idx="2"/>
-            <a:endCxn id="92" idx="0"/>
-          </p:cNvCxnSpPr>
-          <p:nvPr/>
-        </p:nvCxnSpPr>
-        <p:spPr>
-          <a:xfrm>
-            <a:off x="4058067" y="4329761"/>
-            <a:ext cx="0" cy="435000"/>
-          </a:xfrm>
-          <a:prstGeom prst="straightConnector1">
-            <a:avLst/>
-          </a:prstGeom>
-          <a:noFill/>
-          <a:ln w="9525" cap="flat" cmpd="sng">
-            <a:solidFill>
-              <a:schemeClr val="accent1"/>
-            </a:solidFill>
-            <a:prstDash val="solid"/>
-            <a:miter lim="800000"/>
-            <a:headEnd type="none" w="sm" len="sm"/>
-            <a:tailEnd type="triangle" w="med" len="med"/>
-          </a:ln>
-        </p:spPr>
-      </p:cxnSp>
-      <p:cxnSp>
-        <p:nvCxnSpPr>
-          <p:cNvPr id="101" name="Google Shape;101;p1"/>
-          <p:cNvCxnSpPr>
-            <a:endCxn id="102" idx="0"/>
-          </p:cNvCxnSpPr>
-          <p:nvPr/>
-        </p:nvCxnSpPr>
-        <p:spPr>
-          <a:xfrm>
-            <a:off x="2157892" y="5226389"/>
-            <a:ext cx="0" cy="602700"/>
-          </a:xfrm>
-          <a:prstGeom prst="straightConnector1">
-            <a:avLst/>
-          </a:prstGeom>
-          <a:noFill/>
-          <a:ln w="9525" cap="flat" cmpd="sng">
-            <a:solidFill>
-              <a:schemeClr val="accent1"/>
-            </a:solidFill>
-            <a:prstDash val="solid"/>
-            <a:miter lim="800000"/>
-            <a:headEnd type="none" w="sm" len="sm"/>
-            <a:tailEnd type="triangle" w="med" len="med"/>
-          </a:ln>
-        </p:spPr>
-      </p:cxnSp>
-      <p:cxnSp>
-        <p:nvCxnSpPr>
-          <p:cNvPr id="103" name="Google Shape;103;p1"/>
-          <p:cNvCxnSpPr>
-            <a:stCxn id="104" idx="2"/>
-            <a:endCxn id="85" idx="0"/>
-          </p:cNvCxnSpPr>
-          <p:nvPr/>
-        </p:nvCxnSpPr>
-        <p:spPr>
-          <a:xfrm flipH="1">
-            <a:off x="6943493" y="1897102"/>
-            <a:ext cx="3600" cy="117300"/>
-          </a:xfrm>
-          <a:prstGeom prst="straightConnector1">
-            <a:avLst/>
-          </a:prstGeom>
-          <a:noFill/>
-          <a:ln w="9525" cap="flat" cmpd="sng">
-            <a:solidFill>
-              <a:schemeClr val="accent1"/>
-            </a:solidFill>
-            <a:prstDash val="solid"/>
-            <a:miter lim="800000"/>
-            <a:headEnd type="none" w="sm" len="sm"/>
-            <a:tailEnd type="triangle" w="med" len="med"/>
-          </a:ln>
-        </p:spPr>
-      </p:cxnSp>
-      <p:sp>
-        <p:nvSpPr>
-          <p:cNvPr id="105" name="Google Shape;105;p1"/>
-          <p:cNvSpPr/>
-          <p:nvPr/>
-        </p:nvSpPr>
-        <p:spPr>
-          <a:xfrm>
-            <a:off x="6170628" y="2676487"/>
-            <a:ext cx="1534759" cy="213726"/>
-          </a:xfrm>
-          <a:prstGeom prst="rect">
-            <a:avLst/>
-          </a:prstGeom>
-          <a:solidFill>
-            <a:srgbClr val="FFF2CC"/>
-          </a:solidFill>
-          <a:ln w="12700" cap="flat" cmpd="sng">
-            <a:solidFill>
-              <a:srgbClr val="31538F"/>
-            </a:solidFill>
-            <a:prstDash val="solid"/>
-            <a:miter lim="800000"/>
-            <a:headEnd type="none" w="sm" len="sm"/>
-            <a:tailEnd type="none" w="sm" len="sm"/>
-          </a:ln>
-        </p:spPr>
-        <p:txBody>
-          <a:bodyPr spcFirstLastPara="1" wrap="square" lIns="91425" tIns="45700" rIns="91425" bIns="45700" anchor="ctr" anchorCtr="0">
-            <a:noAutofit/>
-          </a:bodyPr>
-          <a:lstStyle/>
-          <a:p>
-            <a:pPr marL="0" marR="0" lvl="0" indent="0" algn="ctr" rtl="0">
-              <a:spcBef>
-                <a:spcPts val="0"/>
-              </a:spcBef>
-              <a:spcAft>
-                <a:spcPts val="0"/>
-              </a:spcAft>
-              <a:buNone/>
-            </a:pPr>
-            <a:r>
-              <a:rPr lang="en-GB" sz="1200" b="0" i="0" u="none" strike="noStrike" cap="none">
-                <a:solidFill>
-                  <a:schemeClr val="dk1"/>
-                </a:solidFill>
-                <a:latin typeface="Calibri"/>
-                <a:ea typeface="Calibri"/>
-                <a:cs typeface="Calibri"/>
-                <a:sym typeface="Calibri"/>
-              </a:rPr>
-              <a:t>Buffer (edge effect)</a:t>
-            </a:r>
-            <a:endParaRPr sz="1200" b="0" i="1" u="none" strike="noStrike" cap="none">
-              <a:solidFill>
-                <a:schemeClr val="dk1"/>
-              </a:solidFill>
-              <a:latin typeface="Calibri"/>
-              <a:ea typeface="Calibri"/>
-              <a:cs typeface="Calibri"/>
-              <a:sym typeface="Calibri"/>
-            </a:endParaRPr>
-          </a:p>
-        </p:txBody>
-      </p:sp>
-      <p:sp>
-        <p:nvSpPr>
-          <p:cNvPr id="106" name="Google Shape;106;p1"/>
-          <p:cNvSpPr/>
-          <p:nvPr/>
-        </p:nvSpPr>
-        <p:spPr>
-          <a:xfrm>
-            <a:off x="6172006" y="2971804"/>
-            <a:ext cx="1542441" cy="199149"/>
-          </a:xfrm>
-          <a:prstGeom prst="rect">
-            <a:avLst/>
-          </a:prstGeom>
-          <a:solidFill>
-            <a:srgbClr val="EDEDED"/>
-          </a:solidFill>
-          <a:ln w="12700" cap="flat" cmpd="sng">
-            <a:solidFill>
-              <a:srgbClr val="31538F"/>
-            </a:solidFill>
-            <a:prstDash val="solid"/>
-            <a:miter lim="800000"/>
-            <a:headEnd type="none" w="sm" len="sm"/>
-            <a:tailEnd type="none" w="sm" len="sm"/>
-          </a:ln>
-        </p:spPr>
-        <p:txBody>
-          <a:bodyPr spcFirstLastPara="1" wrap="square" lIns="91425" tIns="45700" rIns="91425" bIns="45700" anchor="ctr" anchorCtr="0">
-            <a:noAutofit/>
-          </a:bodyPr>
-          <a:lstStyle/>
-          <a:p>
-            <a:pPr marL="0" marR="0" lvl="0" indent="0" algn="ctr" rtl="0">
-              <a:spcBef>
-                <a:spcPts val="0"/>
-              </a:spcBef>
-              <a:spcAft>
-                <a:spcPts val="0"/>
-              </a:spcAft>
-              <a:buNone/>
-            </a:pPr>
-            <a:r>
-              <a:rPr lang="en-GB" sz="1200" b="0" i="0" u="none" strike="noStrike" cap="none">
-                <a:solidFill>
-                  <a:schemeClr val="dk1"/>
-                </a:solidFill>
-                <a:latin typeface="Calibri"/>
-                <a:ea typeface="Calibri"/>
-                <a:cs typeface="Calibri"/>
-                <a:sym typeface="Calibri"/>
-              </a:rPr>
-              <a:t>Rasterize vector</a:t>
-            </a:r>
-            <a:endParaRPr sz="1200" b="0" i="1" u="none" strike="noStrike" cap="none">
-              <a:solidFill>
-                <a:schemeClr val="dk1"/>
-              </a:solidFill>
-              <a:latin typeface="Calibri"/>
-              <a:ea typeface="Calibri"/>
-              <a:cs typeface="Calibri"/>
-              <a:sym typeface="Calibri"/>
-            </a:endParaRPr>
-          </a:p>
-        </p:txBody>
-      </p:sp>
-      <p:sp>
-        <p:nvSpPr>
-          <p:cNvPr id="107" name="Google Shape;107;p1"/>
-          <p:cNvSpPr/>
-          <p:nvPr/>
-        </p:nvSpPr>
-        <p:spPr>
-          <a:xfrm>
-            <a:off x="6172379" y="3223970"/>
-            <a:ext cx="1541875" cy="376396"/>
-          </a:xfrm>
-          <a:prstGeom prst="rect">
-            <a:avLst/>
-          </a:prstGeom>
-          <a:solidFill>
-            <a:srgbClr val="EDEDED"/>
-          </a:solidFill>
-          <a:ln w="12700" cap="flat" cmpd="sng">
-            <a:solidFill>
-              <a:srgbClr val="31538F"/>
-            </a:solidFill>
-            <a:prstDash val="solid"/>
-            <a:miter lim="800000"/>
-            <a:headEnd type="none" w="sm" len="sm"/>
-            <a:tailEnd type="none" w="sm" len="sm"/>
-          </a:ln>
-        </p:spPr>
-        <p:txBody>
-          <a:bodyPr spcFirstLastPara="1" wrap="square" lIns="91425" tIns="45700" rIns="91425" bIns="45700" anchor="ctr" anchorCtr="0">
-            <a:noAutofit/>
-          </a:bodyPr>
-          <a:lstStyle/>
-          <a:p>
-            <a:pPr marL="0" marR="0" lvl="0" indent="0" algn="ctr" rtl="0">
-              <a:spcBef>
-                <a:spcPts val="0"/>
-              </a:spcBef>
-              <a:spcAft>
-                <a:spcPts val="0"/>
-              </a:spcAft>
-              <a:buNone/>
-            </a:pPr>
-            <a:r>
-              <a:rPr lang="en-GB" sz="1200" b="0" i="0" u="none" strike="noStrike" cap="none">
-                <a:solidFill>
-                  <a:schemeClr val="dk1"/>
-                </a:solidFill>
-                <a:latin typeface="Calibri"/>
-                <a:ea typeface="Calibri"/>
-                <a:cs typeface="Calibri"/>
-                <a:sym typeface="Calibri"/>
-              </a:rPr>
-              <a:t>Proximity from </a:t>
-            </a:r>
-            <a:endParaRPr/>
-          </a:p>
-          <a:p>
-            <a:pPr marL="0" marR="0" lvl="0" indent="0" algn="ctr" rtl="0">
-              <a:spcBef>
-                <a:spcPts val="0"/>
-              </a:spcBef>
-              <a:spcAft>
-                <a:spcPts val="0"/>
-              </a:spcAft>
-              <a:buNone/>
-            </a:pPr>
-            <a:r>
-              <a:rPr lang="en-GB" sz="1200" b="0" i="0" u="none" strike="noStrike" cap="none">
-                <a:solidFill>
-                  <a:schemeClr val="dk1"/>
-                </a:solidFill>
-                <a:latin typeface="Calibri"/>
-                <a:ea typeface="Calibri"/>
-                <a:cs typeface="Calibri"/>
-                <a:sym typeface="Calibri"/>
-              </a:rPr>
-              <a:t>areas of impact</a:t>
-            </a:r>
-            <a:endParaRPr sz="1200" b="0" i="1" u="none" strike="noStrike" cap="none">
-              <a:solidFill>
-                <a:schemeClr val="dk1"/>
-              </a:solidFill>
-              <a:latin typeface="Calibri"/>
-              <a:ea typeface="Calibri"/>
-              <a:cs typeface="Calibri"/>
-              <a:sym typeface="Calibri"/>
-            </a:endParaRPr>
-          </a:p>
-        </p:txBody>
-      </p:sp>
-      <p:sp>
-        <p:nvSpPr>
-          <p:cNvPr id="108" name="Google Shape;108;p1"/>
-          <p:cNvSpPr/>
-          <p:nvPr/>
-        </p:nvSpPr>
-        <p:spPr>
-          <a:xfrm>
-            <a:off x="6162872" y="3730410"/>
-            <a:ext cx="1549807" cy="734252"/>
-          </a:xfrm>
-          <a:prstGeom prst="rect">
-            <a:avLst/>
-          </a:prstGeom>
-          <a:solidFill>
-            <a:srgbClr val="EDEDED"/>
-          </a:solidFill>
-          <a:ln w="12700" cap="flat" cmpd="sng">
-            <a:solidFill>
-              <a:srgbClr val="31538F"/>
-            </a:solidFill>
-            <a:prstDash val="solid"/>
-            <a:miter lim="800000"/>
-            <a:headEnd type="none" w="sm" len="sm"/>
-            <a:tailEnd type="none" w="sm" len="sm"/>
-          </a:ln>
-        </p:spPr>
-        <p:txBody>
-          <a:bodyPr spcFirstLastPara="1" wrap="square" lIns="91425" tIns="45700" rIns="91425" bIns="45700" anchor="ctr" anchorCtr="0">
-            <a:noAutofit/>
-          </a:bodyPr>
-          <a:lstStyle/>
-          <a:p>
-            <a:pPr marL="0" marR="0" lvl="0" indent="0" algn="ctr" rtl="0">
-              <a:spcBef>
-                <a:spcPts val="0"/>
-              </a:spcBef>
-              <a:spcAft>
-                <a:spcPts val="0"/>
-              </a:spcAft>
-              <a:buNone/>
-            </a:pPr>
-            <a:r>
-              <a:rPr lang="en-GB" sz="1200" b="0" i="0" u="none" strike="noStrike" cap="none">
-                <a:solidFill>
-                  <a:schemeClr val="dk1"/>
-                </a:solidFill>
-                <a:latin typeface="Calibri"/>
-                <a:ea typeface="Calibri"/>
-                <a:cs typeface="Calibri"/>
-                <a:sym typeface="Calibri"/>
-              </a:rPr>
-              <a:t>Raster calculator – math expression</a:t>
-            </a:r>
-            <a:endParaRPr/>
-          </a:p>
-          <a:p>
-            <a:pPr marL="0" marR="0" lvl="0" indent="0" algn="ctr" rtl="0">
-              <a:spcBef>
-                <a:spcPts val="0"/>
-              </a:spcBef>
-              <a:spcAft>
-                <a:spcPts val="0"/>
-              </a:spcAft>
-              <a:buNone/>
-            </a:pPr>
-            <a:r>
-              <a:rPr lang="en-GB" sz="1200" b="0" i="0" u="none" strike="noStrike" cap="none">
-                <a:solidFill>
-                  <a:schemeClr val="dk1"/>
-                </a:solidFill>
-                <a:latin typeface="Calibri"/>
-                <a:ea typeface="Calibri"/>
-                <a:cs typeface="Calibri"/>
-                <a:sym typeface="Calibri"/>
-              </a:rPr>
-              <a:t>of impact on connectivity </a:t>
-            </a:r>
-            <a:endParaRPr sz="1200" b="0" i="1" u="none" strike="noStrike" cap="none">
-              <a:solidFill>
-                <a:schemeClr val="dk1"/>
-              </a:solidFill>
-              <a:latin typeface="Calibri"/>
-              <a:ea typeface="Calibri"/>
-              <a:cs typeface="Calibri"/>
-              <a:sym typeface="Calibri"/>
-            </a:endParaRPr>
-          </a:p>
-        </p:txBody>
-      </p:sp>
-      <p:sp>
-        <p:nvSpPr>
-          <p:cNvPr id="109" name="Google Shape;109;p1"/>
-          <p:cNvSpPr/>
-          <p:nvPr/>
-        </p:nvSpPr>
-        <p:spPr>
-          <a:xfrm>
-            <a:off x="1157345" y="6498368"/>
-            <a:ext cx="1977674" cy="292037"/>
-          </a:xfrm>
-          <a:prstGeom prst="rect">
-            <a:avLst/>
-          </a:prstGeom>
-          <a:solidFill>
-            <a:srgbClr val="D8E2F3"/>
-          </a:solidFill>
-          <a:ln w="12700" cap="flat" cmpd="sng">
-            <a:solidFill>
-              <a:srgbClr val="31538F"/>
-            </a:solidFill>
-            <a:prstDash val="solid"/>
-            <a:miter lim="800000"/>
-            <a:headEnd type="none" w="sm" len="sm"/>
-            <a:tailEnd type="none" w="sm" len="sm"/>
-          </a:ln>
-        </p:spPr>
-        <p:txBody>
-          <a:bodyPr spcFirstLastPara="1" wrap="square" lIns="91425" tIns="45700" rIns="91425" bIns="45700" anchor="ctr" anchorCtr="0">
-            <a:noAutofit/>
-          </a:bodyPr>
-          <a:lstStyle/>
-          <a:p>
-            <a:pPr marL="0" marR="0" lvl="0" indent="0" algn="ctr" rtl="0">
-              <a:spcBef>
-                <a:spcPts val="0"/>
-              </a:spcBef>
-              <a:spcAft>
-                <a:spcPts val="0"/>
-              </a:spcAft>
-              <a:buNone/>
-            </a:pPr>
-            <a:r>
-              <a:rPr lang="en-GB" sz="1800" b="1" i="1" u="none" strike="noStrike" cap="none">
-                <a:solidFill>
-                  <a:schemeClr val="dk1"/>
-                </a:solidFill>
-                <a:latin typeface="Calibri"/>
-                <a:ea typeface="Calibri"/>
-                <a:cs typeface="Calibri"/>
-                <a:sym typeface="Calibri"/>
-              </a:rPr>
-              <a:t>Output data</a:t>
-            </a:r>
-            <a:endParaRPr/>
-          </a:p>
-        </p:txBody>
-      </p:sp>
-      <p:sp>
-        <p:nvSpPr>
-          <p:cNvPr id="100" name="Google Shape;100;p1"/>
-          <p:cNvSpPr/>
-          <p:nvPr/>
-        </p:nvSpPr>
-        <p:spPr>
-          <a:xfrm>
-            <a:off x="3094934" y="4007718"/>
-            <a:ext cx="1926266" cy="322043"/>
-          </a:xfrm>
-          <a:prstGeom prst="rect">
-            <a:avLst/>
-          </a:prstGeom>
-          <a:solidFill>
-            <a:srgbClr val="E1EFD8"/>
-          </a:solidFill>
-          <a:ln w="12700" cap="flat" cmpd="sng">
-            <a:solidFill>
-              <a:srgbClr val="31538F"/>
-            </a:solidFill>
-            <a:prstDash val="solid"/>
-            <a:miter lim="800000"/>
-            <a:headEnd type="none" w="sm" len="sm"/>
-            <a:tailEnd type="none" w="sm" len="sm"/>
-          </a:ln>
-        </p:spPr>
-        <p:txBody>
-          <a:bodyPr spcFirstLastPara="1" wrap="square" lIns="91425" tIns="45700" rIns="91425" bIns="45700" anchor="ctr" anchorCtr="0">
-            <a:noAutofit/>
-          </a:bodyPr>
-          <a:lstStyle/>
-          <a:p>
-            <a:pPr marL="0" marR="0" lvl="0" indent="0" algn="ctr" rtl="0">
-              <a:spcBef>
-                <a:spcPts val="0"/>
-              </a:spcBef>
-              <a:spcAft>
-                <a:spcPts val="0"/>
-              </a:spcAft>
-              <a:buNone/>
-            </a:pPr>
-            <a:r>
-              <a:rPr lang="en-GB" sz="1200" b="1" i="0" u="none" strike="noStrike" cap="none">
-                <a:solidFill>
-                  <a:schemeClr val="dk1"/>
-                </a:solidFill>
-                <a:latin typeface="Calibri"/>
-                <a:ea typeface="Calibri"/>
-                <a:cs typeface="Calibri"/>
-                <a:sym typeface="Calibri"/>
-              </a:rPr>
-              <a:t>Impedance for species</a:t>
-            </a:r>
-            <a:r>
-              <a:rPr lang="en-GB" sz="1200" b="1" i="1" u="none" strike="noStrike" cap="none">
-                <a:solidFill>
-                  <a:schemeClr val="dk1"/>
-                </a:solidFill>
-                <a:latin typeface="Calibri"/>
-                <a:ea typeface="Calibri"/>
-                <a:cs typeface="Calibri"/>
-                <a:sym typeface="Calibri"/>
-              </a:rPr>
-              <a:t>, csv</a:t>
-            </a:r>
-            <a:endParaRPr/>
-          </a:p>
-        </p:txBody>
-      </p:sp>
-      <p:cxnSp>
-        <p:nvCxnSpPr>
-          <p:cNvPr id="110" name="Google Shape;110;p1"/>
-          <p:cNvCxnSpPr>
-            <a:endCxn id="107" idx="1"/>
-          </p:cNvCxnSpPr>
-          <p:nvPr/>
-        </p:nvCxnSpPr>
-        <p:spPr>
-          <a:xfrm>
-            <a:off x="1669379" y="1805368"/>
-            <a:ext cx="4503000" cy="1606800"/>
-          </a:xfrm>
-          <a:prstGeom prst="bentConnector3">
-            <a:avLst>
-              <a:gd name="adj1" fmla="val 4419"/>
-            </a:avLst>
-          </a:prstGeom>
-          <a:noFill/>
-          <a:ln w="9525" cap="flat" cmpd="sng">
-            <a:solidFill>
-              <a:schemeClr val="accent1"/>
-            </a:solidFill>
-            <a:prstDash val="solid"/>
-            <a:miter lim="800000"/>
-            <a:headEnd type="none" w="sm" len="sm"/>
-            <a:tailEnd type="triangle" w="med" len="med"/>
-          </a:ln>
-        </p:spPr>
-      </p:cxnSp>
-      <p:sp>
-        <p:nvSpPr>
-          <p:cNvPr id="111" name="Google Shape;111;p1"/>
-          <p:cNvSpPr/>
-          <p:nvPr/>
-        </p:nvSpPr>
-        <p:spPr>
-          <a:xfrm>
-            <a:off x="1929179" y="3268291"/>
-            <a:ext cx="1730001" cy="341273"/>
-          </a:xfrm>
-          <a:prstGeom prst="rect">
-            <a:avLst/>
-          </a:prstGeom>
-          <a:solidFill>
-            <a:schemeClr val="lt1"/>
-          </a:solidFill>
-          <a:ln w="12700" cap="flat" cmpd="sng">
-            <a:solidFill>
-              <a:srgbClr val="31538F"/>
-            </a:solidFill>
-            <a:prstDash val="solid"/>
-            <a:miter lim="800000"/>
-            <a:headEnd type="none" w="sm" len="sm"/>
-            <a:tailEnd type="none" w="sm" len="sm"/>
-          </a:ln>
-        </p:spPr>
-        <p:txBody>
-          <a:bodyPr spcFirstLastPara="1" wrap="square" lIns="91425" tIns="45700" rIns="91425" bIns="45700" anchor="ctr" anchorCtr="0">
-            <a:noAutofit/>
-          </a:bodyPr>
-          <a:lstStyle/>
-          <a:p>
-            <a:pPr marL="0" marR="0" lvl="0" indent="0" algn="ctr" rtl="0">
-              <a:spcBef>
-                <a:spcPts val="0"/>
-              </a:spcBef>
-              <a:spcAft>
-                <a:spcPts val="0"/>
-              </a:spcAft>
-              <a:buNone/>
-            </a:pPr>
-            <a:r>
-              <a:rPr lang="en-GB" sz="1200" b="0" i="1" u="none" strike="noStrike" cap="none">
-                <a:solidFill>
-                  <a:schemeClr val="dk1"/>
-                </a:solidFill>
-                <a:latin typeface="Calibri"/>
-                <a:ea typeface="Calibri"/>
-                <a:cs typeface="Calibri"/>
-                <a:sym typeface="Calibri"/>
-              </a:rPr>
-              <a:t>edge_effect = 1 (true)</a:t>
-            </a:r>
-            <a:endParaRPr/>
-          </a:p>
-          <a:p>
-            <a:pPr marL="0" marR="0" lvl="0" indent="0" algn="ctr" rtl="0">
-              <a:spcBef>
-                <a:spcPts val="0"/>
-              </a:spcBef>
-              <a:spcAft>
-                <a:spcPts val="0"/>
-              </a:spcAft>
-              <a:buNone/>
-            </a:pPr>
-            <a:r>
-              <a:rPr lang="en-GB" sz="1200" b="0" i="1" u="none" strike="noStrike" cap="none">
-                <a:solidFill>
-                  <a:schemeClr val="dk1"/>
-                </a:solidFill>
-                <a:latin typeface="Calibri"/>
-                <a:ea typeface="Calibri"/>
-                <a:cs typeface="Calibri"/>
-                <a:sym typeface="Calibri"/>
-              </a:rPr>
-              <a:t>vector_refine = 0 (false)</a:t>
-            </a:r>
-            <a:endParaRPr/>
-          </a:p>
-        </p:txBody>
-      </p:sp>
-      <p:sp>
-        <p:nvSpPr>
-          <p:cNvPr id="94" name="Google Shape;94;p1"/>
-          <p:cNvSpPr/>
-          <p:nvPr/>
-        </p:nvSpPr>
-        <p:spPr>
-          <a:xfrm>
-            <a:off x="331527" y="1689734"/>
-            <a:ext cx="1528391" cy="292866"/>
-          </a:xfrm>
-          <a:prstGeom prst="rect">
-            <a:avLst/>
-          </a:prstGeom>
-          <a:solidFill>
-            <a:srgbClr val="F2F2F2"/>
-          </a:solidFill>
-          <a:ln w="12700" cap="flat" cmpd="sng">
-            <a:solidFill>
-              <a:schemeClr val="dk1"/>
-            </a:solidFill>
-            <a:prstDash val="solid"/>
-            <a:miter lim="800000"/>
-            <a:headEnd type="none" w="sm" len="sm"/>
-            <a:tailEnd type="none" w="sm" len="sm"/>
-          </a:ln>
-        </p:spPr>
-        <p:txBody>
-          <a:bodyPr spcFirstLastPara="1" wrap="square" lIns="91425" tIns="45700" rIns="91425" bIns="45700" anchor="ctr" anchorCtr="0">
-            <a:noAutofit/>
-          </a:bodyPr>
-          <a:lstStyle/>
-          <a:p>
-            <a:pPr marL="0" marR="0" lvl="0" indent="0" algn="ctr" rtl="0">
-              <a:spcBef>
-                <a:spcPts val="0"/>
-              </a:spcBef>
-              <a:spcAft>
-                <a:spcPts val="0"/>
-              </a:spcAft>
-              <a:buNone/>
-            </a:pPr>
-            <a:r>
-              <a:rPr lang="en-GB" sz="1200" b="0" i="0" u="none" strike="noStrike" cap="none">
-                <a:solidFill>
-                  <a:schemeClr val="dk1"/>
-                </a:solidFill>
-                <a:latin typeface="Calibri"/>
-                <a:ea typeface="Calibri"/>
-                <a:cs typeface="Calibri"/>
-                <a:sym typeface="Calibri"/>
-              </a:rPr>
-              <a:t>Checks of CRS</a:t>
-            </a:r>
-            <a:endParaRPr/>
-          </a:p>
-        </p:txBody>
-      </p:sp>
-      <p:sp>
-        <p:nvSpPr>
-          <p:cNvPr id="112" name="Google Shape;112;p1"/>
-          <p:cNvSpPr/>
-          <p:nvPr/>
-        </p:nvSpPr>
-        <p:spPr>
-          <a:xfrm>
-            <a:off x="7805979" y="2017046"/>
-            <a:ext cx="951121" cy="388467"/>
-          </a:xfrm>
-          <a:prstGeom prst="rect">
-            <a:avLst/>
-          </a:prstGeom>
-          <a:solidFill>
-            <a:schemeClr val="lt1"/>
-          </a:solidFill>
-          <a:ln w="12700" cap="flat" cmpd="sng">
-            <a:solidFill>
-              <a:srgbClr val="31538F"/>
-            </a:solidFill>
-            <a:prstDash val="solid"/>
-            <a:miter lim="800000"/>
-            <a:headEnd type="none" w="sm" len="sm"/>
-            <a:tailEnd type="none" w="sm" len="sm"/>
-          </a:ln>
-        </p:spPr>
-        <p:txBody>
-          <a:bodyPr spcFirstLastPara="1" wrap="square" lIns="91425" tIns="45700" rIns="91425" bIns="45700" anchor="ctr" anchorCtr="0">
-            <a:noAutofit/>
-          </a:bodyPr>
-          <a:lstStyle/>
-          <a:p>
-            <a:pPr marL="0" marR="0" lvl="0" indent="0" algn="ctr" rtl="0">
-              <a:spcBef>
-                <a:spcPts val="0"/>
-              </a:spcBef>
-              <a:spcAft>
-                <a:spcPts val="0"/>
-              </a:spcAft>
-              <a:buNone/>
-            </a:pPr>
-            <a:r>
-              <a:rPr lang="en-GB" sz="1200" b="0" i="1" u="none" strike="noStrike" cap="none">
-                <a:solidFill>
-                  <a:schemeClr val="dk1"/>
-                </a:solidFill>
-                <a:latin typeface="Calibri"/>
-                <a:ea typeface="Calibri"/>
-                <a:cs typeface="Calibri"/>
-                <a:sym typeface="Calibri"/>
-              </a:rPr>
-              <a:t>edge_effect </a:t>
-            </a:r>
-            <a:endParaRPr/>
-          </a:p>
-          <a:p>
-            <a:pPr marL="0" marR="0" lvl="0" indent="0" algn="ctr" rtl="0">
-              <a:spcBef>
-                <a:spcPts val="0"/>
-              </a:spcBef>
-              <a:spcAft>
-                <a:spcPts val="0"/>
-              </a:spcAft>
-              <a:buNone/>
-            </a:pPr>
-            <a:r>
-              <a:rPr lang="en-GB" sz="1200" b="0" i="1" u="none" strike="noStrike" cap="none">
-                <a:solidFill>
-                  <a:schemeClr val="dk1"/>
-                </a:solidFill>
-                <a:latin typeface="Calibri"/>
-                <a:ea typeface="Calibri"/>
-                <a:cs typeface="Calibri"/>
-                <a:sym typeface="Calibri"/>
-              </a:rPr>
-              <a:t>= 0 (false)</a:t>
-            </a:r>
-            <a:endParaRPr/>
-          </a:p>
-        </p:txBody>
-      </p:sp>
-      <p:sp>
-        <p:nvSpPr>
-          <p:cNvPr id="86" name="Google Shape;86;p1"/>
-          <p:cNvSpPr/>
-          <p:nvPr/>
-        </p:nvSpPr>
-        <p:spPr>
-          <a:xfrm>
-            <a:off x="7805979" y="2955420"/>
-            <a:ext cx="951121" cy="429810"/>
-          </a:xfrm>
-          <a:prstGeom prst="rect">
-            <a:avLst/>
-          </a:prstGeom>
-          <a:solidFill>
-            <a:srgbClr val="EDEDED"/>
-          </a:solidFill>
-          <a:ln w="12700" cap="flat" cmpd="sng">
-            <a:solidFill>
-              <a:srgbClr val="31538F"/>
-            </a:solidFill>
-            <a:prstDash val="solid"/>
-            <a:miter lim="800000"/>
-            <a:headEnd type="none" w="sm" len="sm"/>
-            <a:tailEnd type="none" w="sm" len="sm"/>
-          </a:ln>
-        </p:spPr>
-        <p:txBody>
-          <a:bodyPr spcFirstLastPara="1" wrap="square" lIns="91425" tIns="45700" rIns="91425" bIns="45700" anchor="ctr" anchorCtr="0">
-            <a:noAutofit/>
-          </a:bodyPr>
-          <a:lstStyle/>
-          <a:p>
-            <a:pPr marL="0" marR="0" lvl="0" indent="0" algn="ctr" rtl="0">
-              <a:spcBef>
-                <a:spcPts val="0"/>
-              </a:spcBef>
-              <a:spcAft>
-                <a:spcPts val="0"/>
-              </a:spcAft>
-              <a:buNone/>
-            </a:pPr>
-            <a:r>
-              <a:rPr lang="en-GB" sz="1200" b="0" i="0" u="none" strike="noStrike" cap="none">
-                <a:solidFill>
-                  <a:schemeClr val="dk1"/>
-                </a:solidFill>
-                <a:latin typeface="Calibri"/>
-                <a:ea typeface="Calibri"/>
-                <a:cs typeface="Calibri"/>
-                <a:sym typeface="Calibri"/>
-              </a:rPr>
-              <a:t>Rasterize vector</a:t>
-            </a:r>
-            <a:endParaRPr sz="1200" b="0" i="1" u="none" strike="noStrike" cap="none">
-              <a:solidFill>
-                <a:schemeClr val="dk1"/>
-              </a:solidFill>
-              <a:latin typeface="Calibri"/>
-              <a:ea typeface="Calibri"/>
-              <a:cs typeface="Calibri"/>
-              <a:sym typeface="Calibri"/>
-            </a:endParaRPr>
-          </a:p>
-        </p:txBody>
-      </p:sp>
-      <p:cxnSp>
-        <p:nvCxnSpPr>
-          <p:cNvPr id="113" name="Google Shape;113;p1"/>
-          <p:cNvCxnSpPr>
-            <a:stCxn id="86" idx="2"/>
-            <a:endCxn id="92" idx="3"/>
-          </p:cNvCxnSpPr>
-          <p:nvPr/>
-        </p:nvCxnSpPr>
-        <p:spPr>
-          <a:xfrm rot="5400000">
-            <a:off x="7230790" y="3944880"/>
-            <a:ext cx="1610400" cy="491100"/>
-          </a:xfrm>
-          <a:prstGeom prst="bentConnector2">
-            <a:avLst/>
-          </a:prstGeom>
-          <a:noFill/>
-          <a:ln w="9525" cap="flat" cmpd="sng">
-            <a:solidFill>
-              <a:schemeClr val="accent1"/>
-            </a:solidFill>
-            <a:prstDash val="solid"/>
-            <a:miter lim="800000"/>
-            <a:headEnd type="none" w="sm" len="sm"/>
-            <a:tailEnd type="triangle" w="med" len="med"/>
-          </a:ln>
-        </p:spPr>
-      </p:cxnSp>
-      <p:sp>
-        <p:nvSpPr>
-          <p:cNvPr id="114" name="Google Shape;114;p1"/>
-          <p:cNvSpPr/>
-          <p:nvPr/>
-        </p:nvSpPr>
-        <p:spPr>
-          <a:xfrm>
-            <a:off x="6172680" y="2409266"/>
-            <a:ext cx="1534759" cy="222756"/>
-          </a:xfrm>
-          <a:prstGeom prst="rect">
-            <a:avLst/>
-          </a:prstGeom>
-          <a:solidFill>
-            <a:schemeClr val="lt1"/>
-          </a:solidFill>
-          <a:ln w="12700" cap="flat" cmpd="sng">
-            <a:solidFill>
-              <a:srgbClr val="31538F"/>
-            </a:solidFill>
-            <a:prstDash val="solid"/>
-            <a:miter lim="800000"/>
-            <a:headEnd type="none" w="sm" len="sm"/>
-            <a:tailEnd type="none" w="sm" len="sm"/>
-          </a:ln>
-        </p:spPr>
-        <p:txBody>
-          <a:bodyPr spcFirstLastPara="1" wrap="square" lIns="91425" tIns="45700" rIns="91425" bIns="45700" anchor="ctr" anchorCtr="0">
-            <a:noAutofit/>
-          </a:bodyPr>
-          <a:lstStyle/>
-          <a:p>
-            <a:pPr marL="0" marR="0" lvl="0" indent="0" algn="ctr" rtl="0">
-              <a:spcBef>
-                <a:spcPts val="0"/>
-              </a:spcBef>
-              <a:spcAft>
-                <a:spcPts val="0"/>
-              </a:spcAft>
-              <a:buNone/>
-            </a:pPr>
-            <a:r>
-              <a:rPr lang="en-GB" sz="1200" b="0" i="1" u="none" strike="noStrike" cap="none">
-                <a:solidFill>
-                  <a:schemeClr val="dk1"/>
-                </a:solidFill>
-                <a:latin typeface="Calibri"/>
-                <a:ea typeface="Calibri"/>
-                <a:cs typeface="Calibri"/>
-                <a:sym typeface="Calibri"/>
-              </a:rPr>
-              <a:t>edge_effect = 1 (true)</a:t>
-            </a:r>
-            <a:endParaRPr/>
-          </a:p>
-        </p:txBody>
-      </p:sp>
-      <p:cxnSp>
-        <p:nvCxnSpPr>
-          <p:cNvPr id="115" name="Google Shape;115;p1"/>
-          <p:cNvCxnSpPr>
-            <a:endCxn id="104" idx="1"/>
-          </p:cNvCxnSpPr>
-          <p:nvPr/>
-        </p:nvCxnSpPr>
-        <p:spPr>
-          <a:xfrm rot="10800000" flipH="1">
-            <a:off x="1993513" y="1780663"/>
-            <a:ext cx="4186200" cy="23700"/>
-          </a:xfrm>
-          <a:prstGeom prst="straightConnector1">
-            <a:avLst/>
-          </a:prstGeom>
-          <a:noFill/>
-          <a:ln w="9525" cap="flat" cmpd="sng">
-            <a:solidFill>
-              <a:schemeClr val="accent1"/>
-            </a:solidFill>
-            <a:prstDash val="solid"/>
-            <a:miter lim="800000"/>
-            <a:headEnd type="none" w="sm" len="sm"/>
-            <a:tailEnd type="triangle" w="med" len="med"/>
-          </a:ln>
-        </p:spPr>
-      </p:cxnSp>
-      <p:sp>
-        <p:nvSpPr>
-          <p:cNvPr id="116" name="Google Shape;116;p1"/>
-          <p:cNvSpPr/>
-          <p:nvPr/>
-        </p:nvSpPr>
-        <p:spPr>
-          <a:xfrm>
-            <a:off x="1914439" y="1610663"/>
-            <a:ext cx="1730001" cy="381533"/>
-          </a:xfrm>
-          <a:prstGeom prst="rect">
-            <a:avLst/>
-          </a:prstGeom>
-          <a:solidFill>
-            <a:schemeClr val="lt1"/>
-          </a:solidFill>
-          <a:ln w="12700" cap="flat" cmpd="sng">
-            <a:solidFill>
-              <a:srgbClr val="31538F"/>
-            </a:solidFill>
-            <a:prstDash val="solid"/>
-            <a:miter lim="800000"/>
-            <a:headEnd type="none" w="sm" len="sm"/>
-            <a:tailEnd type="none" w="sm" len="sm"/>
-          </a:ln>
-        </p:spPr>
-        <p:txBody>
-          <a:bodyPr spcFirstLastPara="1" wrap="square" lIns="91425" tIns="45700" rIns="91425" bIns="45700" anchor="ctr" anchorCtr="0">
-            <a:noAutofit/>
-          </a:bodyPr>
-          <a:lstStyle/>
-          <a:p>
-            <a:pPr marL="0" marR="0" lvl="0" indent="0" algn="ctr" rtl="0">
-              <a:spcBef>
-                <a:spcPts val="0"/>
-              </a:spcBef>
-              <a:spcAft>
-                <a:spcPts val="0"/>
-              </a:spcAft>
-              <a:buNone/>
-            </a:pPr>
-            <a:r>
-              <a:rPr lang="en-GB" sz="1200" b="0" i="1" u="none" strike="noStrike" cap="none">
-                <a:solidFill>
-                  <a:schemeClr val="dk1"/>
-                </a:solidFill>
-                <a:latin typeface="Calibri"/>
-                <a:ea typeface="Calibri"/>
-                <a:cs typeface="Calibri"/>
-                <a:sym typeface="Calibri"/>
-              </a:rPr>
-              <a:t>edge_effect IN (‘0’,’1’) vector_refine = 1 (true)</a:t>
-            </a:r>
-            <a:endParaRPr/>
-          </a:p>
-        </p:txBody>
-      </p:sp>
-      <p:sp>
-        <p:nvSpPr>
-          <p:cNvPr id="117" name="Google Shape;117;p1"/>
-          <p:cNvSpPr/>
-          <p:nvPr/>
-        </p:nvSpPr>
-        <p:spPr>
-          <a:xfrm>
-            <a:off x="3698960" y="1610663"/>
-            <a:ext cx="1224523" cy="390710"/>
-          </a:xfrm>
-          <a:prstGeom prst="rect">
-            <a:avLst/>
-          </a:prstGeom>
-          <a:solidFill>
-            <a:srgbClr val="EDEDED"/>
-          </a:solidFill>
-          <a:ln w="12700" cap="flat" cmpd="sng">
-            <a:solidFill>
-              <a:srgbClr val="31538F"/>
-            </a:solidFill>
-            <a:prstDash val="solid"/>
-            <a:miter lim="800000"/>
-            <a:headEnd type="none" w="sm" len="sm"/>
-            <a:tailEnd type="none" w="sm" len="sm"/>
-          </a:ln>
-        </p:spPr>
-        <p:txBody>
-          <a:bodyPr spcFirstLastPara="1" wrap="square" lIns="91425" tIns="45700" rIns="91425" bIns="45700" anchor="ctr" anchorCtr="0">
-            <a:noAutofit/>
-          </a:bodyPr>
-          <a:lstStyle/>
-          <a:p>
-            <a:pPr marL="0" marR="0" lvl="0" indent="0" algn="ctr" rtl="0">
-              <a:spcBef>
-                <a:spcPts val="0"/>
-              </a:spcBef>
-              <a:spcAft>
-                <a:spcPts val="0"/>
-              </a:spcAft>
-              <a:buNone/>
-            </a:pPr>
-            <a:r>
-              <a:rPr lang="en-GB" sz="1200" b="0" i="0" u="none" strike="noStrike" cap="none">
-                <a:solidFill>
-                  <a:schemeClr val="dk1"/>
-                </a:solidFill>
-                <a:latin typeface="Calibri"/>
-                <a:ea typeface="Calibri"/>
-                <a:cs typeface="Calibri"/>
-                <a:sym typeface="Calibri"/>
-              </a:rPr>
-              <a:t>Delete filtered data</a:t>
-            </a:r>
-            <a:endParaRPr sz="1200" b="0" i="1" u="none" strike="noStrike" cap="none">
-              <a:solidFill>
-                <a:schemeClr val="dk1"/>
-              </a:solidFill>
-              <a:latin typeface="Calibri"/>
-              <a:ea typeface="Calibri"/>
-              <a:cs typeface="Calibri"/>
-              <a:sym typeface="Calibri"/>
-            </a:endParaRPr>
-          </a:p>
-        </p:txBody>
-      </p:sp>
-      <p:sp>
-        <p:nvSpPr>
-          <p:cNvPr id="118" name="Google Shape;118;p1"/>
-          <p:cNvSpPr/>
-          <p:nvPr/>
-        </p:nvSpPr>
-        <p:spPr>
-          <a:xfrm>
-            <a:off x="5021200" y="1591889"/>
-            <a:ext cx="963271" cy="390711"/>
-          </a:xfrm>
-          <a:prstGeom prst="rect">
-            <a:avLst/>
-          </a:prstGeom>
-          <a:solidFill>
-            <a:schemeClr val="lt1"/>
-          </a:solidFill>
-          <a:ln w="12700" cap="flat" cmpd="sng">
-            <a:solidFill>
-              <a:srgbClr val="31538F"/>
-            </a:solidFill>
-            <a:prstDash val="solid"/>
-            <a:miter lim="800000"/>
-            <a:headEnd type="none" w="sm" len="sm"/>
-            <a:tailEnd type="none" w="sm" len="sm"/>
-          </a:ln>
-        </p:spPr>
-        <p:txBody>
-          <a:bodyPr spcFirstLastPara="1" wrap="square" lIns="91425" tIns="45700" rIns="91425" bIns="45700" anchor="ctr" anchorCtr="0">
-            <a:noAutofit/>
-          </a:bodyPr>
-          <a:lstStyle/>
-          <a:p>
-            <a:pPr marL="0" marR="0" lvl="0" indent="0" algn="ctr" rtl="0">
-              <a:spcBef>
-                <a:spcPts val="0"/>
-              </a:spcBef>
-              <a:spcAft>
-                <a:spcPts val="0"/>
-              </a:spcAft>
-              <a:buNone/>
-            </a:pPr>
-            <a:r>
-              <a:rPr lang="en-GB" sz="1200" b="0" i="1" u="none" strike="noStrike" cap="none">
-                <a:solidFill>
-                  <a:schemeClr val="dk1"/>
-                </a:solidFill>
-                <a:latin typeface="Calibri"/>
-                <a:ea typeface="Calibri"/>
-                <a:cs typeface="Calibri"/>
-                <a:sym typeface="Calibri"/>
-              </a:rPr>
-              <a:t>User has own data</a:t>
-            </a:r>
-            <a:endParaRPr/>
-          </a:p>
-        </p:txBody>
-      </p:sp>
-      <p:sp>
-        <p:nvSpPr>
-          <p:cNvPr id="119" name="Google Shape;119;p1"/>
-          <p:cNvSpPr/>
-          <p:nvPr/>
-        </p:nvSpPr>
-        <p:spPr>
-          <a:xfrm>
-            <a:off x="38894" y="3679627"/>
-            <a:ext cx="1666702" cy="351855"/>
-          </a:xfrm>
-          <a:prstGeom prst="rect">
-            <a:avLst/>
-          </a:prstGeom>
-          <a:solidFill>
-            <a:schemeClr val="lt1"/>
-          </a:solidFill>
-          <a:ln w="12700" cap="flat" cmpd="sng">
-            <a:solidFill>
-              <a:srgbClr val="31538F"/>
-            </a:solidFill>
-            <a:prstDash val="solid"/>
-            <a:miter lim="800000"/>
-            <a:headEnd type="none" w="sm" len="sm"/>
-            <a:tailEnd type="none" w="sm" len="sm"/>
-          </a:ln>
-        </p:spPr>
-        <p:txBody>
-          <a:bodyPr spcFirstLastPara="1" wrap="square" lIns="91425" tIns="45700" rIns="91425" bIns="45700" anchor="ctr" anchorCtr="0">
-            <a:noAutofit/>
-          </a:bodyPr>
-          <a:lstStyle/>
-          <a:p>
-            <a:pPr marL="0" marR="0" lvl="0" indent="0" algn="ctr" rtl="0">
-              <a:spcBef>
-                <a:spcPts val="0"/>
-              </a:spcBef>
-              <a:spcAft>
-                <a:spcPts val="0"/>
-              </a:spcAft>
-              <a:buNone/>
-            </a:pPr>
-            <a:r>
-              <a:rPr lang="en-GB" sz="1200" b="0" i="1" u="none" strike="noStrike" cap="none">
-                <a:solidFill>
-                  <a:schemeClr val="dk1"/>
-                </a:solidFill>
-                <a:latin typeface="Calibri"/>
-                <a:ea typeface="Calibri"/>
-                <a:cs typeface="Calibri"/>
-                <a:sym typeface="Calibri"/>
-              </a:rPr>
-              <a:t>edge_effect = 0 (true)</a:t>
-            </a:r>
-            <a:endParaRPr/>
-          </a:p>
-          <a:p>
-            <a:pPr marL="0" marR="0" lvl="0" indent="0" algn="ctr" rtl="0">
-              <a:spcBef>
-                <a:spcPts val="0"/>
-              </a:spcBef>
-              <a:spcAft>
-                <a:spcPts val="0"/>
-              </a:spcAft>
-              <a:buNone/>
-            </a:pPr>
-            <a:r>
-              <a:rPr lang="en-GB" sz="1200" b="0" i="1" u="none" strike="noStrike" cap="none">
-                <a:solidFill>
-                  <a:schemeClr val="dk1"/>
-                </a:solidFill>
-                <a:latin typeface="Calibri"/>
-                <a:ea typeface="Calibri"/>
-                <a:cs typeface="Calibri"/>
-                <a:sym typeface="Calibri"/>
-              </a:rPr>
-              <a:t>vector_refine = 0 (false)</a:t>
-            </a:r>
-            <a:endParaRPr/>
-          </a:p>
-        </p:txBody>
-      </p:sp>
-      <p:cxnSp>
-        <p:nvCxnSpPr>
-          <p:cNvPr id="120" name="Google Shape;120;p1"/>
-          <p:cNvCxnSpPr>
-            <a:stCxn id="117" idx="2"/>
-            <a:endCxn id="121" idx="0"/>
-          </p:cNvCxnSpPr>
-          <p:nvPr/>
-        </p:nvCxnSpPr>
-        <p:spPr>
-          <a:xfrm>
-            <a:off x="4311222" y="2001373"/>
-            <a:ext cx="0" cy="581700"/>
-          </a:xfrm>
-          <a:prstGeom prst="straightConnector1">
-            <a:avLst/>
-          </a:prstGeom>
-          <a:noFill/>
-          <a:ln w="9525" cap="flat" cmpd="sng">
-            <a:solidFill>
-              <a:schemeClr val="accent1"/>
-            </a:solidFill>
-            <a:prstDash val="solid"/>
-            <a:miter lim="800000"/>
-            <a:headEnd type="none" w="sm" len="sm"/>
-            <a:tailEnd type="triangle" w="med" len="med"/>
-          </a:ln>
-        </p:spPr>
-      </p:cxnSp>
-      <p:sp>
-        <p:nvSpPr>
-          <p:cNvPr id="122" name="Google Shape;122;p1"/>
-          <p:cNvSpPr/>
-          <p:nvPr/>
-        </p:nvSpPr>
-        <p:spPr>
-          <a:xfrm>
-            <a:off x="3698961" y="2067377"/>
-            <a:ext cx="1224523" cy="359898"/>
-          </a:xfrm>
-          <a:prstGeom prst="rect">
-            <a:avLst/>
-          </a:prstGeom>
-          <a:solidFill>
-            <a:schemeClr val="lt1"/>
-          </a:solidFill>
-          <a:ln w="12700" cap="flat" cmpd="sng">
-            <a:solidFill>
-              <a:srgbClr val="31538F"/>
-            </a:solidFill>
-            <a:prstDash val="solid"/>
-            <a:miter lim="800000"/>
-            <a:headEnd type="none" w="sm" len="sm"/>
-            <a:tailEnd type="none" w="sm" len="sm"/>
-          </a:ln>
-        </p:spPr>
-        <p:txBody>
-          <a:bodyPr spcFirstLastPara="1" wrap="square" lIns="91425" tIns="45700" rIns="91425" bIns="45700" anchor="ctr" anchorCtr="0">
-            <a:noAutofit/>
-          </a:bodyPr>
-          <a:lstStyle/>
-          <a:p>
-            <a:pPr marL="0" marR="0" lvl="0" indent="0" algn="ctr" rtl="0">
-              <a:spcBef>
-                <a:spcPts val="0"/>
-              </a:spcBef>
-              <a:spcAft>
-                <a:spcPts val="0"/>
-              </a:spcAft>
-              <a:buNone/>
-            </a:pPr>
-            <a:r>
-              <a:rPr lang="en-GB" sz="1200" b="0" i="1" u="none" strike="noStrike" cap="none">
-                <a:solidFill>
-                  <a:schemeClr val="dk1"/>
-                </a:solidFill>
-                <a:latin typeface="Calibri"/>
-                <a:ea typeface="Calibri"/>
-                <a:cs typeface="Calibri"/>
-                <a:sym typeface="Calibri"/>
-              </a:rPr>
-              <a:t>User doesn’t have own data</a:t>
-            </a:r>
-            <a:endParaRPr/>
-          </a:p>
-        </p:txBody>
-      </p:sp>
-      <p:cxnSp>
-        <p:nvCxnSpPr>
-          <p:cNvPr id="123" name="Google Shape;123;p1"/>
-          <p:cNvCxnSpPr/>
-          <p:nvPr/>
-        </p:nvCxnSpPr>
-        <p:spPr>
-          <a:xfrm rot="10800000" flipH="1">
-            <a:off x="4677334" y="2714793"/>
-            <a:ext cx="1485223" cy="1079"/>
-          </a:xfrm>
-          <a:prstGeom prst="straightConnector1">
-            <a:avLst/>
-          </a:prstGeom>
-          <a:noFill/>
-          <a:ln w="9525" cap="flat" cmpd="sng">
-            <a:solidFill>
-              <a:schemeClr val="accent1"/>
-            </a:solidFill>
-            <a:prstDash val="solid"/>
-            <a:miter lim="800000"/>
-            <a:headEnd type="none" w="sm" len="sm"/>
-            <a:tailEnd type="triangle" w="med" len="med"/>
-          </a:ln>
-        </p:spPr>
-      </p:cxnSp>
-      <p:sp>
-        <p:nvSpPr>
-          <p:cNvPr id="102" name="Google Shape;102;p1"/>
-          <p:cNvSpPr/>
-          <p:nvPr/>
-        </p:nvSpPr>
-        <p:spPr>
-          <a:xfrm>
-            <a:off x="1176595" y="5829089"/>
-            <a:ext cx="1962593" cy="543999"/>
-          </a:xfrm>
-          <a:prstGeom prst="rect">
-            <a:avLst/>
-          </a:prstGeom>
-          <a:solidFill>
-            <a:srgbClr val="EDEDED"/>
-          </a:solidFill>
-          <a:ln w="12700" cap="flat" cmpd="sng">
-            <a:solidFill>
-              <a:srgbClr val="31538F"/>
-            </a:solidFill>
-            <a:prstDash val="solid"/>
-            <a:miter lim="800000"/>
-            <a:headEnd type="none" w="sm" len="sm"/>
-            <a:tailEnd type="none" w="sm" len="sm"/>
-          </a:ln>
-        </p:spPr>
-        <p:txBody>
-          <a:bodyPr spcFirstLastPara="1" wrap="square" lIns="91425" tIns="45700" rIns="91425" bIns="45700" anchor="ctr" anchorCtr="0">
-            <a:noAutofit/>
-          </a:bodyPr>
-          <a:lstStyle/>
-          <a:p>
-            <a:pPr marL="0" marR="0" lvl="0" indent="0" algn="ctr" rtl="0">
-              <a:spcBef>
-                <a:spcPts val="0"/>
-              </a:spcBef>
-              <a:spcAft>
-                <a:spcPts val="0"/>
-              </a:spcAft>
-              <a:buNone/>
-            </a:pPr>
-            <a:r>
-              <a:rPr lang="en-GB" sz="1200" b="1" i="0" u="none" strike="noStrike" cap="none">
-                <a:solidFill>
-                  <a:schemeClr val="dk1"/>
-                </a:solidFill>
-                <a:latin typeface="Calibri"/>
-                <a:ea typeface="Calibri"/>
-                <a:cs typeface="Calibri"/>
-                <a:sym typeface="Calibri"/>
-              </a:rPr>
-              <a:t>Landscape impedance, </a:t>
-            </a:r>
-            <a:r>
-              <a:rPr lang="en-GB" sz="1200" b="1" i="1" u="none" strike="noStrike" cap="none">
-                <a:solidFill>
-                  <a:schemeClr val="dk1"/>
-                </a:solidFill>
-                <a:latin typeface="Calibri"/>
-                <a:ea typeface="Calibri"/>
-                <a:cs typeface="Calibri"/>
-                <a:sym typeface="Calibri"/>
-              </a:rPr>
-              <a:t>geotiff (&lt;=1…&lt;=1000)</a:t>
-            </a:r>
-            <a:endParaRPr/>
-          </a:p>
-        </p:txBody>
-      </p:sp>
-      <p:sp>
-        <p:nvSpPr>
-          <p:cNvPr id="104" name="Google Shape;104;p1"/>
-          <p:cNvSpPr/>
-          <p:nvPr/>
-        </p:nvSpPr>
-        <p:spPr>
-          <a:xfrm>
-            <a:off x="6179713" y="1664225"/>
-            <a:ext cx="1534759" cy="232877"/>
-          </a:xfrm>
-          <a:prstGeom prst="rect">
-            <a:avLst/>
-          </a:prstGeom>
-          <a:solidFill>
-            <a:srgbClr val="FFF2CC"/>
-          </a:solidFill>
-          <a:ln w="12700" cap="flat" cmpd="sng">
-            <a:solidFill>
-              <a:schemeClr val="dk1"/>
-            </a:solidFill>
-            <a:prstDash val="solid"/>
-            <a:miter lim="800000"/>
-            <a:headEnd type="none" w="sm" len="sm"/>
-            <a:tailEnd type="none" w="sm" len="sm"/>
-          </a:ln>
-        </p:spPr>
-        <p:txBody>
-          <a:bodyPr spcFirstLastPara="1" wrap="square" lIns="91425" tIns="45700" rIns="91425" bIns="45700" anchor="ctr" anchorCtr="0">
-            <a:noAutofit/>
-          </a:bodyPr>
-          <a:lstStyle/>
-          <a:p>
-            <a:pPr marL="0" marR="0" lvl="0" indent="0" algn="ctr" rtl="0">
-              <a:spcBef>
-                <a:spcPts val="0"/>
-              </a:spcBef>
-              <a:spcAft>
-                <a:spcPts val="0"/>
-              </a:spcAft>
-              <a:buNone/>
-            </a:pPr>
-            <a:r>
-              <a:rPr lang="en-GB" sz="1200" b="1" i="0" u="none" strike="noStrike" cap="none">
-                <a:solidFill>
-                  <a:schemeClr val="dk1"/>
-                </a:solidFill>
-                <a:latin typeface="Calibri"/>
-                <a:ea typeface="Calibri"/>
-                <a:cs typeface="Calibri"/>
-                <a:sym typeface="Calibri"/>
-              </a:rPr>
-              <a:t>Vector_refine.</a:t>
-            </a:r>
-            <a:r>
-              <a:rPr lang="en-GB" sz="1200" b="1" i="1" u="none" strike="noStrike" cap="none">
-                <a:solidFill>
-                  <a:schemeClr val="dk1"/>
-                </a:solidFill>
-                <a:latin typeface="Calibri"/>
-                <a:ea typeface="Calibri"/>
-                <a:cs typeface="Calibri"/>
-                <a:sym typeface="Calibri"/>
-              </a:rPr>
-              <a:t>gpkg</a:t>
-            </a:r>
-            <a:endParaRPr sz="1200" b="1" i="1" u="none" strike="noStrike" cap="none">
-              <a:solidFill>
-                <a:schemeClr val="dk1"/>
-              </a:solidFill>
-              <a:latin typeface="Calibri"/>
-              <a:ea typeface="Calibri"/>
-              <a:cs typeface="Calibri"/>
-              <a:sym typeface="Calibri"/>
-            </a:endParaRPr>
-          </a:p>
-        </p:txBody>
-      </p:sp>
-      <p:sp>
-        <p:nvSpPr>
-          <p:cNvPr id="124" name="Google Shape;124;p1"/>
-          <p:cNvSpPr/>
-          <p:nvPr/>
-        </p:nvSpPr>
-        <p:spPr>
-          <a:xfrm>
-            <a:off x="5026056" y="2546367"/>
-            <a:ext cx="957522" cy="333207"/>
-          </a:xfrm>
-          <a:prstGeom prst="rect">
-            <a:avLst/>
-          </a:prstGeom>
-          <a:solidFill>
-            <a:schemeClr val="lt1"/>
-          </a:solidFill>
-          <a:ln w="12700" cap="flat" cmpd="sng">
-            <a:solidFill>
-              <a:srgbClr val="31538F"/>
-            </a:solidFill>
-            <a:prstDash val="solid"/>
-            <a:miter lim="800000"/>
-            <a:headEnd type="none" w="sm" len="sm"/>
-            <a:tailEnd type="none" w="sm" len="sm"/>
-          </a:ln>
-        </p:spPr>
-        <p:txBody>
-          <a:bodyPr spcFirstLastPara="1" wrap="square" lIns="91425" tIns="45700" rIns="91425" bIns="45700" anchor="ctr" anchorCtr="0">
-            <a:noAutofit/>
-          </a:bodyPr>
-          <a:lstStyle/>
-          <a:p>
-            <a:pPr marL="0" marR="0" lvl="0" indent="0" algn="ctr" rtl="0">
-              <a:spcBef>
-                <a:spcPts val="0"/>
-              </a:spcBef>
-              <a:spcAft>
-                <a:spcPts val="0"/>
-              </a:spcAft>
-              <a:buNone/>
-            </a:pPr>
-            <a:r>
-              <a:rPr lang="en-GB" sz="1200" b="0" i="1" u="none" strike="noStrike" cap="none">
-                <a:solidFill>
-                  <a:schemeClr val="dk1"/>
-                </a:solidFill>
-                <a:latin typeface="Calibri"/>
-                <a:ea typeface="Calibri"/>
-                <a:cs typeface="Calibri"/>
-                <a:sym typeface="Calibri"/>
-              </a:rPr>
-              <a:t>edge_effect = 1 (true)</a:t>
-            </a:r>
-            <a:endParaRPr/>
-          </a:p>
-        </p:txBody>
-      </p:sp>
-      <p:cxnSp>
-        <p:nvCxnSpPr>
-          <p:cNvPr id="125" name="Google Shape;125;p1"/>
-          <p:cNvCxnSpPr>
-            <a:endCxn id="106" idx="1"/>
-          </p:cNvCxnSpPr>
-          <p:nvPr/>
-        </p:nvCxnSpPr>
-        <p:spPr>
-          <a:xfrm>
-            <a:off x="4576306" y="3065079"/>
-            <a:ext cx="1595700" cy="6300"/>
-          </a:xfrm>
-          <a:prstGeom prst="straightConnector1">
-            <a:avLst/>
-          </a:prstGeom>
-          <a:noFill/>
-          <a:ln w="9525" cap="flat" cmpd="sng">
-            <a:solidFill>
-              <a:schemeClr val="accent1"/>
-            </a:solidFill>
-            <a:prstDash val="solid"/>
-            <a:miter lim="800000"/>
-            <a:headEnd type="none" w="sm" len="sm"/>
-            <a:tailEnd type="triangle" w="med" len="med"/>
-          </a:ln>
-        </p:spPr>
-      </p:cxnSp>
-      <p:sp>
-        <p:nvSpPr>
-          <p:cNvPr id="126" name="Google Shape;126;p1"/>
-          <p:cNvSpPr/>
-          <p:nvPr/>
-        </p:nvSpPr>
-        <p:spPr>
-          <a:xfrm>
-            <a:off x="5030232" y="2941246"/>
-            <a:ext cx="951121" cy="388467"/>
-          </a:xfrm>
-          <a:prstGeom prst="rect">
-            <a:avLst/>
-          </a:prstGeom>
-          <a:solidFill>
-            <a:schemeClr val="lt1"/>
-          </a:solidFill>
-          <a:ln w="12700" cap="flat" cmpd="sng">
-            <a:solidFill>
-              <a:srgbClr val="31538F"/>
-            </a:solidFill>
-            <a:prstDash val="solid"/>
-            <a:miter lim="800000"/>
-            <a:headEnd type="none" w="sm" len="sm"/>
-            <a:tailEnd type="none" w="sm" len="sm"/>
-          </a:ln>
-        </p:spPr>
-        <p:txBody>
-          <a:bodyPr spcFirstLastPara="1" wrap="square" lIns="91425" tIns="45700" rIns="91425" bIns="45700" anchor="ctr" anchorCtr="0">
-            <a:noAutofit/>
-          </a:bodyPr>
-          <a:lstStyle/>
-          <a:p>
-            <a:pPr marL="0" marR="0" lvl="0" indent="0" algn="ctr" rtl="0">
-              <a:spcBef>
-                <a:spcPts val="0"/>
-              </a:spcBef>
-              <a:spcAft>
-                <a:spcPts val="0"/>
-              </a:spcAft>
-              <a:buNone/>
-            </a:pPr>
-            <a:r>
-              <a:rPr lang="en-GB" sz="1200" b="0" i="1" u="none" strike="noStrike" cap="none">
-                <a:solidFill>
-                  <a:schemeClr val="dk1"/>
-                </a:solidFill>
-                <a:latin typeface="Calibri"/>
-                <a:ea typeface="Calibri"/>
-                <a:cs typeface="Calibri"/>
-                <a:sym typeface="Calibri"/>
-              </a:rPr>
-              <a:t>edge_effect </a:t>
-            </a:r>
-            <a:endParaRPr/>
-          </a:p>
-          <a:p>
-            <a:pPr marL="0" marR="0" lvl="0" indent="0" algn="ctr" rtl="0">
-              <a:spcBef>
-                <a:spcPts val="0"/>
-              </a:spcBef>
-              <a:spcAft>
-                <a:spcPts val="0"/>
-              </a:spcAft>
-              <a:buNone/>
-            </a:pPr>
-            <a:r>
-              <a:rPr lang="en-GB" sz="1200" b="0" i="1" u="none" strike="noStrike" cap="none">
-                <a:solidFill>
-                  <a:schemeClr val="dk1"/>
-                </a:solidFill>
-                <a:latin typeface="Calibri"/>
-                <a:ea typeface="Calibri"/>
-                <a:cs typeface="Calibri"/>
-                <a:sym typeface="Calibri"/>
-              </a:rPr>
-              <a:t>= 0 (false)</a:t>
-            </a:r>
-            <a:endParaRPr/>
-          </a:p>
-        </p:txBody>
-      </p:sp>
-      <p:sp>
-        <p:nvSpPr>
-          <p:cNvPr id="121" name="Google Shape;121;p1"/>
-          <p:cNvSpPr/>
-          <p:nvPr/>
-        </p:nvSpPr>
-        <p:spPr>
-          <a:xfrm>
-            <a:off x="3698961" y="2583214"/>
-            <a:ext cx="1224523" cy="738962"/>
-          </a:xfrm>
-          <a:prstGeom prst="rect">
-            <a:avLst/>
-          </a:prstGeom>
-          <a:solidFill>
-            <a:srgbClr val="FFF2CC"/>
-          </a:solidFill>
-          <a:ln w="12700" cap="flat" cmpd="sng">
-            <a:solidFill>
-              <a:schemeClr val="dk1"/>
-            </a:solidFill>
-            <a:prstDash val="solid"/>
-            <a:miter lim="800000"/>
-            <a:headEnd type="none" w="sm" len="sm"/>
-            <a:tailEnd type="none" w="sm" len="sm"/>
-          </a:ln>
-        </p:spPr>
-        <p:txBody>
-          <a:bodyPr spcFirstLastPara="1" wrap="square" lIns="91425" tIns="45700" rIns="91425" bIns="45700" anchor="ctr" anchorCtr="0">
-            <a:noAutofit/>
-          </a:bodyPr>
-          <a:lstStyle/>
-          <a:p>
-            <a:pPr marL="0" marR="0" lvl="0" indent="0" algn="ctr" rtl="0">
-              <a:spcBef>
-                <a:spcPts val="0"/>
-              </a:spcBef>
-              <a:spcAft>
-                <a:spcPts val="0"/>
-              </a:spcAft>
-              <a:buNone/>
-            </a:pPr>
-            <a:r>
-              <a:rPr lang="en-GB" sz="1200" b="0" i="0" u="none" strike="noStrike" cap="none">
-                <a:solidFill>
-                  <a:schemeClr val="dk1"/>
-                </a:solidFill>
-                <a:latin typeface="Calibri"/>
-                <a:ea typeface="Calibri"/>
-                <a:cs typeface="Calibri"/>
-                <a:sym typeface="Calibri"/>
-              </a:rPr>
-              <a:t>Nominatim API </a:t>
-            </a:r>
-            <a:endParaRPr/>
-          </a:p>
-          <a:p>
-            <a:pPr marL="0" marR="0" lvl="0" indent="0" algn="ctr" rtl="0">
-              <a:spcBef>
-                <a:spcPts val="0"/>
-              </a:spcBef>
-              <a:spcAft>
-                <a:spcPts val="0"/>
-              </a:spcAft>
-              <a:buNone/>
-            </a:pPr>
-            <a:r>
-              <a:rPr lang="en-GB" sz="1200" b="0" i="0" u="none" strike="noStrike" cap="none">
-                <a:solidFill>
-                  <a:schemeClr val="dk1"/>
-                </a:solidFill>
-                <a:latin typeface="Calibri"/>
-                <a:ea typeface="Calibri"/>
-                <a:cs typeface="Calibri"/>
-                <a:sym typeface="Calibri"/>
-              </a:rPr>
-              <a:t>– Open Street Map Data</a:t>
-            </a:r>
-            <a:endParaRPr/>
-          </a:p>
-        </p:txBody>
-      </p:sp>
-    </p:spTree>
-  </p:cSld>
-  <p:clrMapOvr>
-    <a:masterClrMapping/>
-  </p:clrMapOvr>
-</p:sld>
-</file>
-
-<file path=ppt/slides/slide2.xml><?xml version="1.0" encoding="utf-8"?>
-<p:sld xmlns:a="http://schemas.openxmlformats.org/drawingml/2006/main" xmlns:r="http://schemas.openxmlformats.org/officeDocument/2006/relationships" xmlns:p="http://schemas.openxmlformats.org/presentationml/2006/main">
-  <p:cSld>
-    <p:spTree>
-      <p:nvGrpSpPr>
         <p:cNvPr id="1" name="Shape 130"/>
         <p:cNvGrpSpPr/>
         <p:nvPr/>
@@ -13841,14 +11337,14 @@
           <p:cNvPr id="142" name="Google Shape;142;g2b6b2123d36_0_0"/>
           <p:cNvCxnSpPr>
             <a:cxnSpLocks/>
-            <a:stCxn id="178" idx="3"/>
+            <a:endCxn id="30" idx="3"/>
           </p:cNvCxnSpPr>
           <p:nvPr/>
         </p:nvCxnSpPr>
         <p:spPr>
-          <a:xfrm flipV="1">
-            <a:off x="2697380" y="6062047"/>
-            <a:ext cx="3048996" cy="2"/>
+          <a:xfrm flipH="1" flipV="1">
+            <a:off x="4646561" y="6102658"/>
+            <a:ext cx="3047851" cy="27212"/>
           </a:xfrm>
           <a:prstGeom prst="straightConnector1">
             <a:avLst/>
@@ -13935,7 +11431,7 @@
         </p:nvCxnSpPr>
         <p:spPr>
           <a:xfrm>
-            <a:off x="1884613" y="5393111"/>
+            <a:off x="8507179" y="5400982"/>
             <a:ext cx="1" cy="396988"/>
           </a:xfrm>
           <a:prstGeom prst="straightConnector1">
@@ -14330,7 +11826,7 @@
           </a:xfrm>
           <a:prstGeom prst="bentConnector3">
             <a:avLst>
-              <a:gd name="adj1" fmla="val 50000"/>
+              <a:gd name="adj1" fmla="val 6611"/>
             </a:avLst>
           </a:prstGeom>
           <a:noFill/>
@@ -15629,7 +13125,7 @@
         </p:nvSpPr>
         <p:spPr>
           <a:xfrm>
-            <a:off x="5770245" y="5811047"/>
+            <a:off x="3117043" y="5851658"/>
             <a:ext cx="1529518" cy="502000"/>
           </a:xfrm>
           <a:prstGeom prst="rect">
@@ -16517,7 +14013,7 @@
         </p:nvSpPr>
         <p:spPr>
           <a:xfrm>
-            <a:off x="1071847" y="5790099"/>
+            <a:off x="7694413" y="5797970"/>
             <a:ext cx="1625533" cy="543899"/>
           </a:xfrm>
           <a:prstGeom prst="rect">
@@ -16589,8 +14085,8 @@
         </p:nvSpPr>
         <p:spPr>
           <a:xfrm>
-            <a:off x="3452728" y="5786737"/>
-            <a:ext cx="1625533" cy="526310"/>
+            <a:off x="5536909" y="5805943"/>
+            <a:ext cx="1625533" cy="535926"/>
           </a:xfrm>
           <a:prstGeom prst="rect">
             <a:avLst/>
@@ -16679,7 +14175,7 @@
         </p:nvCxnSpPr>
         <p:spPr>
           <a:xfrm>
-            <a:off x="4331978" y="5393111"/>
+            <a:off x="6416159" y="5412317"/>
             <a:ext cx="1" cy="369961"/>
           </a:xfrm>
           <a:prstGeom prst="straightConnector1">
@@ -17673,6 +15169,42 @@
           <a:xfrm flipV="1">
             <a:off x="9148593" y="1274642"/>
             <a:ext cx="822537" cy="66585"/>
+          </a:xfrm>
+          <a:prstGeom prst="straightConnector1">
+            <a:avLst/>
+          </a:prstGeom>
+          <a:noFill/>
+          <a:ln w="9525" cap="flat" cmpd="sng">
+            <a:solidFill>
+              <a:srgbClr val="343434"/>
+            </a:solidFill>
+            <a:prstDash val="solid"/>
+            <a:miter lim="800000"/>
+            <a:headEnd type="none" w="sm" len="sm"/>
+            <a:tailEnd type="triangle" w="med" len="med"/>
+          </a:ln>
+        </p:spPr>
+      </p:cxnSp>
+      <p:cxnSp>
+        <p:nvCxnSpPr>
+          <p:cNvPr id="7" name="Google Shape;141;g2b6b2123d36_0_0">
+            <a:extLst>
+              <a:ext uri="{FF2B5EF4-FFF2-40B4-BE49-F238E27FC236}">
+                <a16:creationId xmlns:a16="http://schemas.microsoft.com/office/drawing/2014/main" id="{72744ED7-6BE6-4D70-FF5B-B14F1097DF9E}"/>
+              </a:ext>
+            </a:extLst>
+          </p:cNvPr>
+          <p:cNvCxnSpPr>
+            <a:cxnSpLocks/>
+            <a:stCxn id="208" idx="2"/>
+            <a:endCxn id="213" idx="0"/>
+          </p:cNvCxnSpPr>
+          <p:nvPr/>
+        </p:nvCxnSpPr>
+        <p:spPr>
+          <a:xfrm flipH="1">
+            <a:off x="6385640" y="495067"/>
+            <a:ext cx="219810" cy="85713"/>
           </a:xfrm>
           <a:prstGeom prst="straightConnector1">
             <a:avLst/>
